--- a/NIA AI Challenge 테스트베드(9.5)/통합테스트베드_AI경진대회 참가 기획서PPT양식(팀명기입).pptx
+++ b/NIA AI Challenge 테스트베드(9.5)/통합테스트베드_AI경진대회 참가 기획서PPT양식(팀명기입).pptx
@@ -9,12 +9,18 @@
     <p:sldId id="258" r:id="rId3"/>
     <p:sldId id="257" r:id="rId4"/>
     <p:sldId id="259" r:id="rId5"/>
-    <p:sldId id="260" r:id="rId6"/>
-    <p:sldId id="261" r:id="rId7"/>
-    <p:sldId id="262" r:id="rId8"/>
-    <p:sldId id="263" r:id="rId9"/>
-    <p:sldId id="264" r:id="rId10"/>
-    <p:sldId id="265" r:id="rId11"/>
+    <p:sldId id="266" r:id="rId6"/>
+    <p:sldId id="267" r:id="rId7"/>
+    <p:sldId id="268" r:id="rId8"/>
+    <p:sldId id="261" r:id="rId9"/>
+    <p:sldId id="269" r:id="rId10"/>
+    <p:sldId id="270" r:id="rId11"/>
+    <p:sldId id="262" r:id="rId12"/>
+    <p:sldId id="271" r:id="rId13"/>
+    <p:sldId id="272" r:id="rId14"/>
+    <p:sldId id="263" r:id="rId15"/>
+    <p:sldId id="264" r:id="rId16"/>
+    <p:sldId id="265" r:id="rId17"/>
   </p:sldIdLst>
   <p:sldSz cx="12192000" cy="6858000"/>
   <p:notesSz cx="6858000" cy="9144000"/>
@@ -268,7 +274,7 @@
           <a:p>
             <a:fld id="{999227A2-5002-9245-8139-9C0B9322A4D8}" type="datetimeFigureOut">
               <a:rPr kumimoji="1" lang="ko-KR" altLang="en-US" smtClean="0"/>
-              <a:t>2025-08-18</a:t>
+              <a:t>2025-09-02</a:t>
             </a:fld>
             <a:endParaRPr kumimoji="1" lang="ko-KR" altLang="en-US"/>
           </a:p>
@@ -466,7 +472,7 @@
           <a:p>
             <a:fld id="{999227A2-5002-9245-8139-9C0B9322A4D8}" type="datetimeFigureOut">
               <a:rPr kumimoji="1" lang="ko-KR" altLang="en-US" smtClean="0"/>
-              <a:t>2025-08-18</a:t>
+              <a:t>2025-09-02</a:t>
             </a:fld>
             <a:endParaRPr kumimoji="1" lang="ko-KR" altLang="en-US"/>
           </a:p>
@@ -674,7 +680,7 @@
           <a:p>
             <a:fld id="{999227A2-5002-9245-8139-9C0B9322A4D8}" type="datetimeFigureOut">
               <a:rPr kumimoji="1" lang="ko-KR" altLang="en-US" smtClean="0"/>
-              <a:t>2025-08-18</a:t>
+              <a:t>2025-09-02</a:t>
             </a:fld>
             <a:endParaRPr kumimoji="1" lang="ko-KR" altLang="en-US"/>
           </a:p>
@@ -872,7 +878,7 @@
           <a:p>
             <a:fld id="{999227A2-5002-9245-8139-9C0B9322A4D8}" type="datetimeFigureOut">
               <a:rPr kumimoji="1" lang="ko-KR" altLang="en-US" smtClean="0"/>
-              <a:t>2025-08-18</a:t>
+              <a:t>2025-09-02</a:t>
             </a:fld>
             <a:endParaRPr kumimoji="1" lang="ko-KR" altLang="en-US"/>
           </a:p>
@@ -1163,7 +1169,7 @@
           <a:p>
             <a:fld id="{999227A2-5002-9245-8139-9C0B9322A4D8}" type="datetimeFigureOut">
               <a:rPr kumimoji="1" lang="ko-KR" altLang="en-US" smtClean="0"/>
-              <a:t>2025-08-18</a:t>
+              <a:t>2025-09-02</a:t>
             </a:fld>
             <a:endParaRPr kumimoji="1" lang="ko-KR" altLang="en-US"/>
           </a:p>
@@ -1428,7 +1434,7 @@
           <a:p>
             <a:fld id="{999227A2-5002-9245-8139-9C0B9322A4D8}" type="datetimeFigureOut">
               <a:rPr kumimoji="1" lang="ko-KR" altLang="en-US" smtClean="0"/>
-              <a:t>2025-08-18</a:t>
+              <a:t>2025-09-02</a:t>
             </a:fld>
             <a:endParaRPr kumimoji="1" lang="ko-KR" altLang="en-US"/>
           </a:p>
@@ -1840,7 +1846,7 @@
           <a:p>
             <a:fld id="{999227A2-5002-9245-8139-9C0B9322A4D8}" type="datetimeFigureOut">
               <a:rPr kumimoji="1" lang="ko-KR" altLang="en-US" smtClean="0"/>
-              <a:t>2025-08-18</a:t>
+              <a:t>2025-09-02</a:t>
             </a:fld>
             <a:endParaRPr kumimoji="1" lang="ko-KR" altLang="en-US"/>
           </a:p>
@@ -1981,7 +1987,7 @@
           <a:p>
             <a:fld id="{999227A2-5002-9245-8139-9C0B9322A4D8}" type="datetimeFigureOut">
               <a:rPr kumimoji="1" lang="ko-KR" altLang="en-US" smtClean="0"/>
-              <a:t>2025-08-18</a:t>
+              <a:t>2025-09-02</a:t>
             </a:fld>
             <a:endParaRPr kumimoji="1" lang="ko-KR" altLang="en-US"/>
           </a:p>
@@ -2094,7 +2100,7 @@
           <a:p>
             <a:fld id="{999227A2-5002-9245-8139-9C0B9322A4D8}" type="datetimeFigureOut">
               <a:rPr kumimoji="1" lang="ko-KR" altLang="en-US" smtClean="0"/>
-              <a:t>2025-08-18</a:t>
+              <a:t>2025-09-02</a:t>
             </a:fld>
             <a:endParaRPr kumimoji="1" lang="ko-KR" altLang="en-US"/>
           </a:p>
@@ -2405,7 +2411,7 @@
           <a:p>
             <a:fld id="{999227A2-5002-9245-8139-9C0B9322A4D8}" type="datetimeFigureOut">
               <a:rPr kumimoji="1" lang="ko-KR" altLang="en-US" smtClean="0"/>
-              <a:t>2025-08-18</a:t>
+              <a:t>2025-09-02</a:t>
             </a:fld>
             <a:endParaRPr kumimoji="1" lang="ko-KR" altLang="en-US"/>
           </a:p>
@@ -2693,7 +2699,7 @@
           <a:p>
             <a:fld id="{999227A2-5002-9245-8139-9C0B9322A4D8}" type="datetimeFigureOut">
               <a:rPr kumimoji="1" lang="ko-KR" altLang="en-US" smtClean="0"/>
-              <a:t>2025-08-18</a:t>
+              <a:t>2025-09-02</a:t>
             </a:fld>
             <a:endParaRPr kumimoji="1" lang="ko-KR" altLang="en-US"/>
           </a:p>
@@ -2934,7 +2940,7 @@
           <a:p>
             <a:fld id="{999227A2-5002-9245-8139-9C0B9322A4D8}" type="datetimeFigureOut">
               <a:rPr kumimoji="1" lang="ko-KR" altLang="en-US" smtClean="0"/>
-              <a:t>2025-08-18</a:t>
+              <a:t>2025-09-02</a:t>
             </a:fld>
             <a:endParaRPr kumimoji="1" lang="ko-KR" altLang="en-US"/>
           </a:p>
@@ -3727,6 +3733,1074 @@
 </file>
 
 <file path=ppt/slides/slide10.xml><?xml version="1.0" encoding="utf-8"?>
+<p:sld xmlns:a="http://schemas.openxmlformats.org/drawingml/2006/main" xmlns:r="http://schemas.openxmlformats.org/officeDocument/2006/relationships" xmlns:p="http://schemas.openxmlformats.org/presentationml/2006/main">
+  <p:cSld>
+    <p:spTree>
+      <p:nvGrpSpPr>
+        <p:cNvPr id="1" name="">
+          <a:extLst>
+            <a:ext uri="{FF2B5EF4-FFF2-40B4-BE49-F238E27FC236}">
+              <a16:creationId xmlns:a16="http://schemas.microsoft.com/office/drawing/2014/main" id="{C9DE47C1-5821-AF5C-FDC2-56DD7C03EAB6}"/>
+            </a:ext>
+          </a:extLst>
+        </p:cNvPr>
+        <p:cNvGrpSpPr/>
+        <p:nvPr/>
+      </p:nvGrpSpPr>
+      <p:grpSpPr>
+        <a:xfrm>
+          <a:off x="0" y="0"/>
+          <a:ext cx="0" cy="0"/>
+          <a:chOff x="0" y="0"/>
+          <a:chExt cx="0" cy="0"/>
+        </a:xfrm>
+      </p:grpSpPr>
+      <p:sp>
+        <p:nvSpPr>
+          <p:cNvPr id="2" name="TextBox 1">
+            <a:extLst>
+              <a:ext uri="{FF2B5EF4-FFF2-40B4-BE49-F238E27FC236}">
+                <a16:creationId xmlns:a16="http://schemas.microsoft.com/office/drawing/2014/main" id="{74B23EE7-1F41-00F1-2E5A-4342B24B924E}"/>
+              </a:ext>
+            </a:extLst>
+          </p:cNvPr>
+          <p:cNvSpPr txBox="1"/>
+          <p:nvPr/>
+        </p:nvSpPr>
+        <p:spPr>
+          <a:xfrm>
+            <a:off x="1420737" y="408197"/>
+            <a:ext cx="1757212" cy="461665"/>
+          </a:xfrm>
+          <a:prstGeom prst="rect">
+            <a:avLst/>
+          </a:prstGeom>
+          <a:noFill/>
+        </p:spPr>
+        <p:txBody>
+          <a:bodyPr wrap="none" rtlCol="0">
+            <a:spAutoFit/>
+          </a:bodyPr>
+          <a:lstStyle/>
+          <a:p>
+            <a:r>
+              <a:rPr lang="en-US" altLang="ko-KR" sz="2400" b="1" dirty="0">
+                <a:solidFill>
+                  <a:schemeClr val="bg1"/>
+                </a:solidFill>
+                <a:latin typeface="Helvetica" pitchFamily="2" charset="0"/>
+              </a:rPr>
+              <a:t>3. </a:t>
+            </a:r>
+            <a:r>
+              <a:rPr lang="ko-KR" altLang="en-US" sz="2400" b="1" dirty="0">
+                <a:solidFill>
+                  <a:schemeClr val="bg1"/>
+                </a:solidFill>
+                <a:latin typeface="Helvetica" pitchFamily="2" charset="0"/>
+              </a:rPr>
+              <a:t>상세설명</a:t>
+            </a:r>
+            <a:endParaRPr lang="ko-KR" altLang="en-US" sz="2400" b="1" dirty="0">
+              <a:solidFill>
+                <a:schemeClr val="bg1"/>
+              </a:solidFill>
+              <a:effectLst/>
+              <a:latin typeface="Helvetica" pitchFamily="2" charset="0"/>
+            </a:endParaRPr>
+          </a:p>
+        </p:txBody>
+      </p:sp>
+      <p:sp>
+        <p:nvSpPr>
+          <p:cNvPr id="5" name="TextBox 4">
+            <a:extLst>
+              <a:ext uri="{FF2B5EF4-FFF2-40B4-BE49-F238E27FC236}">
+                <a16:creationId xmlns:a16="http://schemas.microsoft.com/office/drawing/2014/main" id="{F1E9FAF5-DB29-D40B-6B16-991561BD44B7}"/>
+              </a:ext>
+            </a:extLst>
+          </p:cNvPr>
+          <p:cNvSpPr txBox="1"/>
+          <p:nvPr/>
+        </p:nvSpPr>
+        <p:spPr>
+          <a:xfrm>
+            <a:off x="4337296" y="452052"/>
+            <a:ext cx="3517408" cy="646331"/>
+          </a:xfrm>
+          <a:prstGeom prst="rect">
+            <a:avLst/>
+          </a:prstGeom>
+          <a:noFill/>
+        </p:spPr>
+        <p:txBody>
+          <a:bodyPr wrap="square" rtlCol="0">
+            <a:spAutoFit/>
+          </a:bodyPr>
+          <a:lstStyle/>
+          <a:p>
+            <a:r>
+              <a:rPr lang="ko-KR" altLang="en-US" dirty="0">
+                <a:solidFill>
+                  <a:schemeClr val="bg1"/>
+                </a:solidFill>
+                <a:latin typeface="+mn-ea"/>
+              </a:rPr>
+              <a:t>① 아이디어</a:t>
+            </a:r>
+            <a:r>
+              <a:rPr lang="en-US" altLang="ko-KR" dirty="0">
+                <a:solidFill>
+                  <a:schemeClr val="bg1"/>
+                </a:solidFill>
+                <a:latin typeface="+mn-ea"/>
+              </a:rPr>
+              <a:t>/</a:t>
+            </a:r>
+            <a:r>
+              <a:rPr lang="ko-KR" altLang="en-US" dirty="0">
+                <a:solidFill>
+                  <a:schemeClr val="bg1"/>
+                </a:solidFill>
+                <a:latin typeface="+mn-ea"/>
+              </a:rPr>
+              <a:t>서비스 핵심 내용 </a:t>
+            </a:r>
+          </a:p>
+          <a:p>
+            <a:endParaRPr kumimoji="1" lang="ko-KR" altLang="en-US" dirty="0">
+              <a:solidFill>
+                <a:schemeClr val="bg1"/>
+              </a:solidFill>
+              <a:latin typeface="+mn-ea"/>
+            </a:endParaRPr>
+          </a:p>
+        </p:txBody>
+      </p:sp>
+      <p:sp>
+        <p:nvSpPr>
+          <p:cNvPr id="3" name="제목 2">
+            <a:extLst>
+              <a:ext uri="{FF2B5EF4-FFF2-40B4-BE49-F238E27FC236}">
+                <a16:creationId xmlns:a16="http://schemas.microsoft.com/office/drawing/2014/main" id="{744080FC-85C5-5387-BB9A-A04AD9EEE891}"/>
+              </a:ext>
+            </a:extLst>
+          </p:cNvPr>
+          <p:cNvSpPr txBox="1">
+            <a:spLocks/>
+          </p:cNvSpPr>
+          <p:nvPr/>
+        </p:nvSpPr>
+        <p:spPr>
+          <a:xfrm>
+            <a:off x="601379" y="1179770"/>
+            <a:ext cx="7414862" cy="424724"/>
+          </a:xfrm>
+          <a:prstGeom prst="rect">
+            <a:avLst/>
+          </a:prstGeom>
+        </p:spPr>
+        <p:txBody>
+          <a:bodyPr/>
+          <a:lstStyle>
+            <a:lvl1pPr algn="l" defTabSz="914400" rtl="0" eaLnBrk="1" latinLnBrk="1" hangingPunct="1">
+              <a:lnSpc>
+                <a:spcPct val="90000"/>
+              </a:lnSpc>
+              <a:spcBef>
+                <a:spcPct val="0"/>
+              </a:spcBef>
+              <a:buNone/>
+              <a:defRPr sz="4400" kern="1200">
+                <a:solidFill>
+                  <a:schemeClr val="tx1"/>
+                </a:solidFill>
+                <a:latin typeface="+mj-lt"/>
+                <a:ea typeface="+mj-ea"/>
+                <a:cs typeface="+mj-cs"/>
+              </a:defRPr>
+            </a:lvl1pPr>
+          </a:lstStyle>
+          <a:p>
+            <a:r>
+              <a:rPr lang="ko-KR" altLang="en-US" sz="2000">
+                <a:latin typeface="페이퍼로지 6 SemiBold" pitchFamily="2" charset="-127"/>
+                <a:ea typeface="페이퍼로지 6 SemiBold" pitchFamily="2" charset="-127"/>
+              </a:rPr>
+              <a:t>사전예방체계와 경보 알림 기능</a:t>
+            </a:r>
+            <a:endParaRPr lang="ko-KR" altLang="en-US" sz="2000" dirty="0">
+              <a:latin typeface="페이퍼로지 6 SemiBold" pitchFamily="2" charset="-127"/>
+              <a:ea typeface="페이퍼로지 6 SemiBold" pitchFamily="2" charset="-127"/>
+            </a:endParaRPr>
+          </a:p>
+        </p:txBody>
+      </p:sp>
+      <p:cxnSp>
+        <p:nvCxnSpPr>
+          <p:cNvPr id="4" name="직선 연결선 3">
+            <a:extLst>
+              <a:ext uri="{FF2B5EF4-FFF2-40B4-BE49-F238E27FC236}">
+                <a16:creationId xmlns:a16="http://schemas.microsoft.com/office/drawing/2014/main" id="{006C491E-D8EA-A66F-C116-14A42DC5DBDD}"/>
+              </a:ext>
+            </a:extLst>
+          </p:cNvPr>
+          <p:cNvCxnSpPr>
+            <a:cxnSpLocks/>
+          </p:cNvCxnSpPr>
+          <p:nvPr/>
+        </p:nvCxnSpPr>
+        <p:spPr bwMode="auto">
+          <a:xfrm>
+            <a:off x="530561" y="1584875"/>
+            <a:ext cx="10889279" cy="0"/>
+          </a:xfrm>
+          <a:prstGeom prst="line">
+            <a:avLst/>
+          </a:prstGeom>
+          <a:noFill/>
+          <a:ln w="3175" cap="flat" cmpd="sng" algn="ctr">
+            <a:solidFill>
+              <a:srgbClr val="000000">
+                <a:lumMod val="50000"/>
+                <a:lumOff val="50000"/>
+              </a:srgbClr>
+            </a:solidFill>
+            <a:prstDash val="solid"/>
+            <a:round/>
+            <a:headEnd type="none" w="med" len="med"/>
+            <a:tailEnd type="none" w="med" len="med"/>
+          </a:ln>
+          <a:effectLst/>
+        </p:spPr>
+      </p:cxnSp>
+      <p:sp>
+        <p:nvSpPr>
+          <p:cNvPr id="6" name="TextBox 5">
+            <a:extLst>
+              <a:ext uri="{FF2B5EF4-FFF2-40B4-BE49-F238E27FC236}">
+                <a16:creationId xmlns:a16="http://schemas.microsoft.com/office/drawing/2014/main" id="{CA2D0F66-54C9-63D2-0F6D-79DE6B354FF6}"/>
+              </a:ext>
+            </a:extLst>
+          </p:cNvPr>
+          <p:cNvSpPr txBox="1"/>
+          <p:nvPr/>
+        </p:nvSpPr>
+        <p:spPr>
+          <a:xfrm>
+            <a:off x="561858" y="1629003"/>
+            <a:ext cx="8626386" cy="369332"/>
+          </a:xfrm>
+          <a:prstGeom prst="rect">
+            <a:avLst/>
+          </a:prstGeom>
+          <a:noFill/>
+        </p:spPr>
+        <p:txBody>
+          <a:bodyPr wrap="square" rtlCol="0">
+            <a:spAutoFit/>
+          </a:bodyPr>
+          <a:lstStyle/>
+          <a:p>
+            <a:r>
+              <a:rPr lang="ko-KR" altLang="en-US">
+                <a:latin typeface="프리젠테이션 4 Regular" pitchFamily="2" charset="-127"/>
+                <a:ea typeface="프리젠테이션 4 Regular" pitchFamily="2" charset="-127"/>
+              </a:rPr>
+              <a:t>사고 발생 이전에 위험 구역에 대한 식별 후 시각화 해주며</a:t>
+            </a:r>
+            <a:r>
+              <a:rPr lang="en-US" altLang="ko-KR">
+                <a:latin typeface="프리젠테이션 4 Regular" pitchFamily="2" charset="-127"/>
+                <a:ea typeface="프리젠테이션 4 Regular" pitchFamily="2" charset="-127"/>
+              </a:rPr>
+              <a:t>, </a:t>
+            </a:r>
+            <a:r>
+              <a:rPr lang="ko-KR" altLang="en-US">
+                <a:latin typeface="프리젠테이션 4 Regular" pitchFamily="2" charset="-127"/>
+                <a:ea typeface="프리젠테이션 4 Regular" pitchFamily="2" charset="-127"/>
+              </a:rPr>
+              <a:t>대응 주체별 맞춤 알림을 제공함</a:t>
+            </a:r>
+          </a:p>
+        </p:txBody>
+      </p:sp>
+    </p:spTree>
+    <p:extLst>
+      <p:ext uri="{BB962C8B-B14F-4D97-AF65-F5344CB8AC3E}">
+        <p14:creationId xmlns:p14="http://schemas.microsoft.com/office/powerpoint/2010/main" val="2163173182"/>
+      </p:ext>
+    </p:extLst>
+  </p:cSld>
+  <p:clrMapOvr>
+    <a:masterClrMapping/>
+  </p:clrMapOvr>
+</p:sld>
+</file>
+
+<file path=ppt/slides/slide11.xml><?xml version="1.0" encoding="utf-8"?>
+<p:sld xmlns:a="http://schemas.openxmlformats.org/drawingml/2006/main" xmlns:r="http://schemas.openxmlformats.org/officeDocument/2006/relationships" xmlns:p="http://schemas.openxmlformats.org/presentationml/2006/main">
+  <p:cSld>
+    <p:spTree>
+      <p:nvGrpSpPr>
+        <p:cNvPr id="1" name="">
+          <a:extLst>
+            <a:ext uri="{FF2B5EF4-FFF2-40B4-BE49-F238E27FC236}">
+              <a16:creationId xmlns:a16="http://schemas.microsoft.com/office/drawing/2014/main" id="{964991F9-6AF3-DE61-035F-781A3B3C9644}"/>
+            </a:ext>
+          </a:extLst>
+        </p:cNvPr>
+        <p:cNvGrpSpPr/>
+        <p:nvPr/>
+      </p:nvGrpSpPr>
+      <p:grpSpPr>
+        <a:xfrm>
+          <a:off x="0" y="0"/>
+          <a:ext cx="0" cy="0"/>
+          <a:chOff x="0" y="0"/>
+          <a:chExt cx="0" cy="0"/>
+        </a:xfrm>
+      </p:grpSpPr>
+      <p:sp>
+        <p:nvSpPr>
+          <p:cNvPr id="2" name="TextBox 1">
+            <a:extLst>
+              <a:ext uri="{FF2B5EF4-FFF2-40B4-BE49-F238E27FC236}">
+                <a16:creationId xmlns:a16="http://schemas.microsoft.com/office/drawing/2014/main" id="{14B1C2C5-7C52-1813-9BDF-E62554B62533}"/>
+              </a:ext>
+            </a:extLst>
+          </p:cNvPr>
+          <p:cNvSpPr txBox="1"/>
+          <p:nvPr/>
+        </p:nvSpPr>
+        <p:spPr>
+          <a:xfrm>
+            <a:off x="1420737" y="408197"/>
+            <a:ext cx="1757212" cy="461665"/>
+          </a:xfrm>
+          <a:prstGeom prst="rect">
+            <a:avLst/>
+          </a:prstGeom>
+          <a:noFill/>
+        </p:spPr>
+        <p:txBody>
+          <a:bodyPr wrap="none" rtlCol="0">
+            <a:spAutoFit/>
+          </a:bodyPr>
+          <a:lstStyle/>
+          <a:p>
+            <a:r>
+              <a:rPr lang="en-US" altLang="ko-KR" sz="2400" b="1" dirty="0">
+                <a:solidFill>
+                  <a:schemeClr val="bg1"/>
+                </a:solidFill>
+                <a:latin typeface="Helvetica" pitchFamily="2" charset="0"/>
+              </a:rPr>
+              <a:t>3. </a:t>
+            </a:r>
+            <a:r>
+              <a:rPr lang="ko-KR" altLang="en-US" sz="2400" b="1" dirty="0">
+                <a:solidFill>
+                  <a:schemeClr val="bg1"/>
+                </a:solidFill>
+                <a:latin typeface="Helvetica" pitchFamily="2" charset="0"/>
+              </a:rPr>
+              <a:t>상세설명</a:t>
+            </a:r>
+            <a:endParaRPr lang="ko-KR" altLang="en-US" sz="2400" b="1" dirty="0">
+              <a:solidFill>
+                <a:schemeClr val="bg1"/>
+              </a:solidFill>
+              <a:effectLst/>
+              <a:latin typeface="Helvetica" pitchFamily="2" charset="0"/>
+            </a:endParaRPr>
+          </a:p>
+        </p:txBody>
+      </p:sp>
+      <p:sp>
+        <p:nvSpPr>
+          <p:cNvPr id="5" name="TextBox 4">
+            <a:extLst>
+              <a:ext uri="{FF2B5EF4-FFF2-40B4-BE49-F238E27FC236}">
+                <a16:creationId xmlns:a16="http://schemas.microsoft.com/office/drawing/2014/main" id="{5052176C-2D5F-C6B6-9626-018843A9B345}"/>
+              </a:ext>
+            </a:extLst>
+          </p:cNvPr>
+          <p:cNvSpPr txBox="1"/>
+          <p:nvPr/>
+        </p:nvSpPr>
+        <p:spPr>
+          <a:xfrm>
+            <a:off x="3940032" y="454363"/>
+            <a:ext cx="4777248" cy="369332"/>
+          </a:xfrm>
+          <a:prstGeom prst="rect">
+            <a:avLst/>
+          </a:prstGeom>
+          <a:noFill/>
+        </p:spPr>
+        <p:txBody>
+          <a:bodyPr wrap="square" rtlCol="0">
+            <a:spAutoFit/>
+          </a:bodyPr>
+          <a:lstStyle/>
+          <a:p>
+            <a:r>
+              <a:rPr lang="ko-KR" altLang="en-US" dirty="0">
+                <a:solidFill>
+                  <a:schemeClr val="bg1"/>
+                </a:solidFill>
+                <a:latin typeface="+mn-ea"/>
+              </a:rPr>
+              <a:t>② 통합 테스트베드 활용 방안 </a:t>
+            </a:r>
+            <a:r>
+              <a:rPr lang="en-US" altLang="ko-KR" dirty="0">
+                <a:solidFill>
+                  <a:schemeClr val="bg1"/>
+                </a:solidFill>
+                <a:latin typeface="+mn-ea"/>
+              </a:rPr>
+              <a:t>(</a:t>
+            </a:r>
+            <a:r>
+              <a:rPr lang="ko-KR" altLang="en-US" dirty="0">
+                <a:solidFill>
+                  <a:schemeClr val="bg1"/>
+                </a:solidFill>
+                <a:latin typeface="+mn-ea"/>
+              </a:rPr>
+              <a:t>기술설명</a:t>
+            </a:r>
+            <a:r>
+              <a:rPr lang="en-US" altLang="ko-KR" dirty="0">
+                <a:solidFill>
+                  <a:schemeClr val="bg1"/>
+                </a:solidFill>
+                <a:latin typeface="+mn-ea"/>
+              </a:rPr>
+              <a:t>)</a:t>
+            </a:r>
+            <a:endParaRPr kumimoji="1" lang="ko-KR" altLang="en-US" dirty="0">
+              <a:solidFill>
+                <a:schemeClr val="bg1"/>
+              </a:solidFill>
+              <a:latin typeface="+mn-ea"/>
+            </a:endParaRPr>
+          </a:p>
+        </p:txBody>
+      </p:sp>
+    </p:spTree>
+    <p:extLst>
+      <p:ext uri="{BB962C8B-B14F-4D97-AF65-F5344CB8AC3E}">
+        <p14:creationId xmlns:p14="http://schemas.microsoft.com/office/powerpoint/2010/main" val="2285591583"/>
+      </p:ext>
+    </p:extLst>
+  </p:cSld>
+  <p:clrMapOvr>
+    <a:masterClrMapping/>
+  </p:clrMapOvr>
+</p:sld>
+</file>
+
+<file path=ppt/slides/slide12.xml><?xml version="1.0" encoding="utf-8"?>
+<p:sld xmlns:a="http://schemas.openxmlformats.org/drawingml/2006/main" xmlns:r="http://schemas.openxmlformats.org/officeDocument/2006/relationships" xmlns:p="http://schemas.openxmlformats.org/presentationml/2006/main">
+  <p:cSld>
+    <p:spTree>
+      <p:nvGrpSpPr>
+        <p:cNvPr id="1" name="">
+          <a:extLst>
+            <a:ext uri="{FF2B5EF4-FFF2-40B4-BE49-F238E27FC236}">
+              <a16:creationId xmlns:a16="http://schemas.microsoft.com/office/drawing/2014/main" id="{6965D198-A652-7C03-7FF6-AF2652882186}"/>
+            </a:ext>
+          </a:extLst>
+        </p:cNvPr>
+        <p:cNvGrpSpPr/>
+        <p:nvPr/>
+      </p:nvGrpSpPr>
+      <p:grpSpPr>
+        <a:xfrm>
+          <a:off x="0" y="0"/>
+          <a:ext cx="0" cy="0"/>
+          <a:chOff x="0" y="0"/>
+          <a:chExt cx="0" cy="0"/>
+        </a:xfrm>
+      </p:grpSpPr>
+      <p:sp>
+        <p:nvSpPr>
+          <p:cNvPr id="2" name="TextBox 1">
+            <a:extLst>
+              <a:ext uri="{FF2B5EF4-FFF2-40B4-BE49-F238E27FC236}">
+                <a16:creationId xmlns:a16="http://schemas.microsoft.com/office/drawing/2014/main" id="{DFAD4267-7634-1E09-223B-2FD25FE020DE}"/>
+              </a:ext>
+            </a:extLst>
+          </p:cNvPr>
+          <p:cNvSpPr txBox="1"/>
+          <p:nvPr/>
+        </p:nvSpPr>
+        <p:spPr>
+          <a:xfrm>
+            <a:off x="1420737" y="408197"/>
+            <a:ext cx="1757212" cy="461665"/>
+          </a:xfrm>
+          <a:prstGeom prst="rect">
+            <a:avLst/>
+          </a:prstGeom>
+          <a:noFill/>
+        </p:spPr>
+        <p:txBody>
+          <a:bodyPr wrap="none" rtlCol="0">
+            <a:spAutoFit/>
+          </a:bodyPr>
+          <a:lstStyle/>
+          <a:p>
+            <a:r>
+              <a:rPr lang="en-US" altLang="ko-KR" sz="2400" b="1" dirty="0">
+                <a:solidFill>
+                  <a:schemeClr val="bg1"/>
+                </a:solidFill>
+                <a:latin typeface="Helvetica" pitchFamily="2" charset="0"/>
+              </a:rPr>
+              <a:t>3. </a:t>
+            </a:r>
+            <a:r>
+              <a:rPr lang="ko-KR" altLang="en-US" sz="2400" b="1" dirty="0">
+                <a:solidFill>
+                  <a:schemeClr val="bg1"/>
+                </a:solidFill>
+                <a:latin typeface="Helvetica" pitchFamily="2" charset="0"/>
+              </a:rPr>
+              <a:t>상세설명</a:t>
+            </a:r>
+            <a:endParaRPr lang="ko-KR" altLang="en-US" sz="2400" b="1" dirty="0">
+              <a:solidFill>
+                <a:schemeClr val="bg1"/>
+              </a:solidFill>
+              <a:effectLst/>
+              <a:latin typeface="Helvetica" pitchFamily="2" charset="0"/>
+            </a:endParaRPr>
+          </a:p>
+        </p:txBody>
+      </p:sp>
+      <p:sp>
+        <p:nvSpPr>
+          <p:cNvPr id="5" name="TextBox 4">
+            <a:extLst>
+              <a:ext uri="{FF2B5EF4-FFF2-40B4-BE49-F238E27FC236}">
+                <a16:creationId xmlns:a16="http://schemas.microsoft.com/office/drawing/2014/main" id="{31FBCD5C-6B5E-2272-A648-EBCAD90D1EA7}"/>
+              </a:ext>
+            </a:extLst>
+          </p:cNvPr>
+          <p:cNvSpPr txBox="1"/>
+          <p:nvPr/>
+        </p:nvSpPr>
+        <p:spPr>
+          <a:xfrm>
+            <a:off x="3940032" y="454363"/>
+            <a:ext cx="4777248" cy="369332"/>
+          </a:xfrm>
+          <a:prstGeom prst="rect">
+            <a:avLst/>
+          </a:prstGeom>
+          <a:noFill/>
+        </p:spPr>
+        <p:txBody>
+          <a:bodyPr wrap="square" rtlCol="0">
+            <a:spAutoFit/>
+          </a:bodyPr>
+          <a:lstStyle/>
+          <a:p>
+            <a:r>
+              <a:rPr lang="ko-KR" altLang="en-US" dirty="0">
+                <a:solidFill>
+                  <a:schemeClr val="bg1"/>
+                </a:solidFill>
+                <a:latin typeface="+mn-ea"/>
+              </a:rPr>
+              <a:t>② 통합 테스트베드 활용 방안 </a:t>
+            </a:r>
+            <a:r>
+              <a:rPr lang="en-US" altLang="ko-KR" dirty="0">
+                <a:solidFill>
+                  <a:schemeClr val="bg1"/>
+                </a:solidFill>
+                <a:latin typeface="+mn-ea"/>
+              </a:rPr>
+              <a:t>(</a:t>
+            </a:r>
+            <a:r>
+              <a:rPr lang="ko-KR" altLang="en-US" dirty="0">
+                <a:solidFill>
+                  <a:schemeClr val="bg1"/>
+                </a:solidFill>
+                <a:latin typeface="+mn-ea"/>
+              </a:rPr>
+              <a:t>기술설명</a:t>
+            </a:r>
+            <a:r>
+              <a:rPr lang="en-US" altLang="ko-KR" dirty="0">
+                <a:solidFill>
+                  <a:schemeClr val="bg1"/>
+                </a:solidFill>
+                <a:latin typeface="+mn-ea"/>
+              </a:rPr>
+              <a:t>)</a:t>
+            </a:r>
+            <a:endParaRPr kumimoji="1" lang="ko-KR" altLang="en-US" dirty="0">
+              <a:solidFill>
+                <a:schemeClr val="bg1"/>
+              </a:solidFill>
+              <a:latin typeface="+mn-ea"/>
+            </a:endParaRPr>
+          </a:p>
+        </p:txBody>
+      </p:sp>
+    </p:spTree>
+    <p:extLst>
+      <p:ext uri="{BB962C8B-B14F-4D97-AF65-F5344CB8AC3E}">
+        <p14:creationId xmlns:p14="http://schemas.microsoft.com/office/powerpoint/2010/main" val="2789226514"/>
+      </p:ext>
+    </p:extLst>
+  </p:cSld>
+  <p:clrMapOvr>
+    <a:masterClrMapping/>
+  </p:clrMapOvr>
+</p:sld>
+</file>
+
+<file path=ppt/slides/slide13.xml><?xml version="1.0" encoding="utf-8"?>
+<p:sld xmlns:a="http://schemas.openxmlformats.org/drawingml/2006/main" xmlns:r="http://schemas.openxmlformats.org/officeDocument/2006/relationships" xmlns:p="http://schemas.openxmlformats.org/presentationml/2006/main">
+  <p:cSld>
+    <p:spTree>
+      <p:nvGrpSpPr>
+        <p:cNvPr id="1" name="">
+          <a:extLst>
+            <a:ext uri="{FF2B5EF4-FFF2-40B4-BE49-F238E27FC236}">
+              <a16:creationId xmlns:a16="http://schemas.microsoft.com/office/drawing/2014/main" id="{E3000019-E479-F83F-CC4E-AE8581668003}"/>
+            </a:ext>
+          </a:extLst>
+        </p:cNvPr>
+        <p:cNvGrpSpPr/>
+        <p:nvPr/>
+      </p:nvGrpSpPr>
+      <p:grpSpPr>
+        <a:xfrm>
+          <a:off x="0" y="0"/>
+          <a:ext cx="0" cy="0"/>
+          <a:chOff x="0" y="0"/>
+          <a:chExt cx="0" cy="0"/>
+        </a:xfrm>
+      </p:grpSpPr>
+      <p:sp>
+        <p:nvSpPr>
+          <p:cNvPr id="2" name="TextBox 1">
+            <a:extLst>
+              <a:ext uri="{FF2B5EF4-FFF2-40B4-BE49-F238E27FC236}">
+                <a16:creationId xmlns:a16="http://schemas.microsoft.com/office/drawing/2014/main" id="{E4AECFF2-8230-4FFB-52E2-B6ED12EF0E82}"/>
+              </a:ext>
+            </a:extLst>
+          </p:cNvPr>
+          <p:cNvSpPr txBox="1"/>
+          <p:nvPr/>
+        </p:nvSpPr>
+        <p:spPr>
+          <a:xfrm>
+            <a:off x="1420737" y="408197"/>
+            <a:ext cx="1757212" cy="461665"/>
+          </a:xfrm>
+          <a:prstGeom prst="rect">
+            <a:avLst/>
+          </a:prstGeom>
+          <a:noFill/>
+        </p:spPr>
+        <p:txBody>
+          <a:bodyPr wrap="none" rtlCol="0">
+            <a:spAutoFit/>
+          </a:bodyPr>
+          <a:lstStyle/>
+          <a:p>
+            <a:r>
+              <a:rPr lang="en-US" altLang="ko-KR" sz="2400" b="1" dirty="0">
+                <a:solidFill>
+                  <a:schemeClr val="bg1"/>
+                </a:solidFill>
+                <a:latin typeface="Helvetica" pitchFamily="2" charset="0"/>
+              </a:rPr>
+              <a:t>3. </a:t>
+            </a:r>
+            <a:r>
+              <a:rPr lang="ko-KR" altLang="en-US" sz="2400" b="1" dirty="0">
+                <a:solidFill>
+                  <a:schemeClr val="bg1"/>
+                </a:solidFill>
+                <a:latin typeface="Helvetica" pitchFamily="2" charset="0"/>
+              </a:rPr>
+              <a:t>상세설명</a:t>
+            </a:r>
+            <a:endParaRPr lang="ko-KR" altLang="en-US" sz="2400" b="1" dirty="0">
+              <a:solidFill>
+                <a:schemeClr val="bg1"/>
+              </a:solidFill>
+              <a:effectLst/>
+              <a:latin typeface="Helvetica" pitchFamily="2" charset="0"/>
+            </a:endParaRPr>
+          </a:p>
+        </p:txBody>
+      </p:sp>
+      <p:sp>
+        <p:nvSpPr>
+          <p:cNvPr id="5" name="TextBox 4">
+            <a:extLst>
+              <a:ext uri="{FF2B5EF4-FFF2-40B4-BE49-F238E27FC236}">
+                <a16:creationId xmlns:a16="http://schemas.microsoft.com/office/drawing/2014/main" id="{202CEBE0-7645-9AAF-62E0-123AF8A9133F}"/>
+              </a:ext>
+            </a:extLst>
+          </p:cNvPr>
+          <p:cNvSpPr txBox="1"/>
+          <p:nvPr/>
+        </p:nvSpPr>
+        <p:spPr>
+          <a:xfrm>
+            <a:off x="3940032" y="454363"/>
+            <a:ext cx="4777248" cy="369332"/>
+          </a:xfrm>
+          <a:prstGeom prst="rect">
+            <a:avLst/>
+          </a:prstGeom>
+          <a:noFill/>
+        </p:spPr>
+        <p:txBody>
+          <a:bodyPr wrap="square" rtlCol="0">
+            <a:spAutoFit/>
+          </a:bodyPr>
+          <a:lstStyle/>
+          <a:p>
+            <a:r>
+              <a:rPr lang="ko-KR" altLang="en-US" dirty="0">
+                <a:solidFill>
+                  <a:schemeClr val="bg1"/>
+                </a:solidFill>
+                <a:latin typeface="+mn-ea"/>
+              </a:rPr>
+              <a:t>② 통합 테스트베드 활용 방안 </a:t>
+            </a:r>
+            <a:r>
+              <a:rPr lang="en-US" altLang="ko-KR" dirty="0">
+                <a:solidFill>
+                  <a:schemeClr val="bg1"/>
+                </a:solidFill>
+                <a:latin typeface="+mn-ea"/>
+              </a:rPr>
+              <a:t>(</a:t>
+            </a:r>
+            <a:r>
+              <a:rPr lang="ko-KR" altLang="en-US" dirty="0">
+                <a:solidFill>
+                  <a:schemeClr val="bg1"/>
+                </a:solidFill>
+                <a:latin typeface="+mn-ea"/>
+              </a:rPr>
+              <a:t>기술설명</a:t>
+            </a:r>
+            <a:r>
+              <a:rPr lang="en-US" altLang="ko-KR" dirty="0">
+                <a:solidFill>
+                  <a:schemeClr val="bg1"/>
+                </a:solidFill>
+                <a:latin typeface="+mn-ea"/>
+              </a:rPr>
+              <a:t>)</a:t>
+            </a:r>
+            <a:endParaRPr kumimoji="1" lang="ko-KR" altLang="en-US" dirty="0">
+              <a:solidFill>
+                <a:schemeClr val="bg1"/>
+              </a:solidFill>
+              <a:latin typeface="+mn-ea"/>
+            </a:endParaRPr>
+          </a:p>
+        </p:txBody>
+      </p:sp>
+    </p:spTree>
+    <p:extLst>
+      <p:ext uri="{BB962C8B-B14F-4D97-AF65-F5344CB8AC3E}">
+        <p14:creationId xmlns:p14="http://schemas.microsoft.com/office/powerpoint/2010/main" val="1165769842"/>
+      </p:ext>
+    </p:extLst>
+  </p:cSld>
+  <p:clrMapOvr>
+    <a:masterClrMapping/>
+  </p:clrMapOvr>
+</p:sld>
+</file>
+
+<file path=ppt/slides/slide14.xml><?xml version="1.0" encoding="utf-8"?>
+<p:sld xmlns:a="http://schemas.openxmlformats.org/drawingml/2006/main" xmlns:r="http://schemas.openxmlformats.org/officeDocument/2006/relationships" xmlns:p="http://schemas.openxmlformats.org/presentationml/2006/main">
+  <p:cSld>
+    <p:spTree>
+      <p:nvGrpSpPr>
+        <p:cNvPr id="1" name="">
+          <a:extLst>
+            <a:ext uri="{FF2B5EF4-FFF2-40B4-BE49-F238E27FC236}">
+              <a16:creationId xmlns:a16="http://schemas.microsoft.com/office/drawing/2014/main" id="{E7F350A9-3CFB-5440-2532-11FEBD0E6195}"/>
+            </a:ext>
+          </a:extLst>
+        </p:cNvPr>
+        <p:cNvGrpSpPr/>
+        <p:nvPr/>
+      </p:nvGrpSpPr>
+      <p:grpSpPr>
+        <a:xfrm>
+          <a:off x="0" y="0"/>
+          <a:ext cx="0" cy="0"/>
+          <a:chOff x="0" y="0"/>
+          <a:chExt cx="0" cy="0"/>
+        </a:xfrm>
+      </p:grpSpPr>
+      <p:sp>
+        <p:nvSpPr>
+          <p:cNvPr id="2" name="TextBox 1">
+            <a:extLst>
+              <a:ext uri="{FF2B5EF4-FFF2-40B4-BE49-F238E27FC236}">
+                <a16:creationId xmlns:a16="http://schemas.microsoft.com/office/drawing/2014/main" id="{2EC72E1B-FA9E-38A1-9838-1FB5FB92A943}"/>
+              </a:ext>
+            </a:extLst>
+          </p:cNvPr>
+          <p:cNvSpPr txBox="1"/>
+          <p:nvPr/>
+        </p:nvSpPr>
+        <p:spPr>
+          <a:xfrm>
+            <a:off x="1420737" y="408197"/>
+            <a:ext cx="1757212" cy="461665"/>
+          </a:xfrm>
+          <a:prstGeom prst="rect">
+            <a:avLst/>
+          </a:prstGeom>
+          <a:noFill/>
+        </p:spPr>
+        <p:txBody>
+          <a:bodyPr wrap="none" rtlCol="0">
+            <a:spAutoFit/>
+          </a:bodyPr>
+          <a:lstStyle/>
+          <a:p>
+            <a:r>
+              <a:rPr lang="en-US" altLang="ko-KR" sz="2400" b="1" dirty="0">
+                <a:solidFill>
+                  <a:schemeClr val="bg1"/>
+                </a:solidFill>
+                <a:latin typeface="Helvetica" pitchFamily="2" charset="0"/>
+              </a:rPr>
+              <a:t>3. </a:t>
+            </a:r>
+            <a:r>
+              <a:rPr lang="ko-KR" altLang="en-US" sz="2400" b="1" dirty="0">
+                <a:solidFill>
+                  <a:schemeClr val="bg1"/>
+                </a:solidFill>
+                <a:latin typeface="Helvetica" pitchFamily="2" charset="0"/>
+              </a:rPr>
+              <a:t>상세설명</a:t>
+            </a:r>
+            <a:endParaRPr lang="ko-KR" altLang="en-US" sz="2400" b="1" dirty="0">
+              <a:solidFill>
+                <a:schemeClr val="bg1"/>
+              </a:solidFill>
+              <a:effectLst/>
+              <a:latin typeface="Helvetica" pitchFamily="2" charset="0"/>
+            </a:endParaRPr>
+          </a:p>
+        </p:txBody>
+      </p:sp>
+      <p:sp>
+        <p:nvSpPr>
+          <p:cNvPr id="5" name="TextBox 4">
+            <a:extLst>
+              <a:ext uri="{FF2B5EF4-FFF2-40B4-BE49-F238E27FC236}">
+                <a16:creationId xmlns:a16="http://schemas.microsoft.com/office/drawing/2014/main" id="{937E4D07-2847-03D1-496E-BDFA9D8B38EA}"/>
+              </a:ext>
+            </a:extLst>
+          </p:cNvPr>
+          <p:cNvSpPr txBox="1"/>
+          <p:nvPr/>
+        </p:nvSpPr>
+        <p:spPr>
+          <a:xfrm>
+            <a:off x="4561840" y="454363"/>
+            <a:ext cx="3994928" cy="369332"/>
+          </a:xfrm>
+          <a:prstGeom prst="rect">
+            <a:avLst/>
+          </a:prstGeom>
+          <a:noFill/>
+        </p:spPr>
+        <p:txBody>
+          <a:bodyPr wrap="square" rtlCol="0">
+            <a:spAutoFit/>
+          </a:bodyPr>
+          <a:lstStyle/>
+          <a:p>
+            <a:r>
+              <a:rPr lang="ko-KR" altLang="en-US" dirty="0">
+                <a:solidFill>
+                  <a:schemeClr val="bg1"/>
+                </a:solidFill>
+                <a:latin typeface="+mn-ea"/>
+              </a:rPr>
+              <a:t>③ </a:t>
+            </a:r>
+            <a:r>
+              <a:rPr lang="en-US" altLang="ko-KR" dirty="0">
+                <a:solidFill>
+                  <a:schemeClr val="bg1"/>
+                </a:solidFill>
+                <a:latin typeface="+mn-ea"/>
+              </a:rPr>
+              <a:t>(</a:t>
+            </a:r>
+            <a:r>
+              <a:rPr lang="ko-KR" altLang="en-US" dirty="0">
+                <a:solidFill>
+                  <a:schemeClr val="bg1"/>
+                </a:solidFill>
+                <a:latin typeface="+mn-ea"/>
+              </a:rPr>
+              <a:t>선택사항</a:t>
+            </a:r>
+            <a:r>
+              <a:rPr lang="en-US" altLang="ko-KR" dirty="0">
+                <a:solidFill>
+                  <a:schemeClr val="bg1"/>
+                </a:solidFill>
+                <a:latin typeface="+mn-ea"/>
+              </a:rPr>
+              <a:t>) MVP</a:t>
+            </a:r>
+            <a:r>
+              <a:rPr lang="ko-KR" altLang="en-US" dirty="0">
+                <a:solidFill>
+                  <a:schemeClr val="bg1"/>
+                </a:solidFill>
+                <a:latin typeface="+mn-ea"/>
+              </a:rPr>
+              <a:t>소개</a:t>
+            </a:r>
+            <a:endParaRPr kumimoji="1" lang="ko-KR" altLang="en-US" dirty="0">
+              <a:solidFill>
+                <a:schemeClr val="bg1"/>
+              </a:solidFill>
+              <a:latin typeface="+mn-ea"/>
+            </a:endParaRPr>
+          </a:p>
+        </p:txBody>
+      </p:sp>
+    </p:spTree>
+    <p:extLst>
+      <p:ext uri="{BB962C8B-B14F-4D97-AF65-F5344CB8AC3E}">
+        <p14:creationId xmlns:p14="http://schemas.microsoft.com/office/powerpoint/2010/main" val="3677103270"/>
+      </p:ext>
+    </p:extLst>
+  </p:cSld>
+  <p:clrMapOvr>
+    <a:masterClrMapping/>
+  </p:clrMapOvr>
+</p:sld>
+</file>
+
+<file path=ppt/slides/slide15.xml><?xml version="1.0" encoding="utf-8"?>
+<p:sld xmlns:a="http://schemas.openxmlformats.org/drawingml/2006/main" xmlns:r="http://schemas.openxmlformats.org/officeDocument/2006/relationships" xmlns:p="http://schemas.openxmlformats.org/presentationml/2006/main">
+  <p:cSld>
+    <p:spTree>
+      <p:nvGrpSpPr>
+        <p:cNvPr id="1" name="">
+          <a:extLst>
+            <a:ext uri="{FF2B5EF4-FFF2-40B4-BE49-F238E27FC236}">
+              <a16:creationId xmlns:a16="http://schemas.microsoft.com/office/drawing/2014/main" id="{01C02D87-B00E-C705-7DD7-CF556E8BCE3F}"/>
+            </a:ext>
+          </a:extLst>
+        </p:cNvPr>
+        <p:cNvGrpSpPr/>
+        <p:nvPr/>
+      </p:nvGrpSpPr>
+      <p:grpSpPr>
+        <a:xfrm>
+          <a:off x="0" y="0"/>
+          <a:ext cx="0" cy="0"/>
+          <a:chOff x="0" y="0"/>
+          <a:chExt cx="0" cy="0"/>
+        </a:xfrm>
+      </p:grpSpPr>
+      <p:sp>
+        <p:nvSpPr>
+          <p:cNvPr id="2" name="TextBox 1">
+            <a:extLst>
+              <a:ext uri="{FF2B5EF4-FFF2-40B4-BE49-F238E27FC236}">
+                <a16:creationId xmlns:a16="http://schemas.microsoft.com/office/drawing/2014/main" id="{65F663CD-BAFB-A8D6-4BF7-D55673021605}"/>
+              </a:ext>
+            </a:extLst>
+          </p:cNvPr>
+          <p:cNvSpPr txBox="1"/>
+          <p:nvPr/>
+        </p:nvSpPr>
+        <p:spPr>
+          <a:xfrm>
+            <a:off x="1420737" y="408197"/>
+            <a:ext cx="4166525" cy="461665"/>
+          </a:xfrm>
+          <a:prstGeom prst="rect">
+            <a:avLst/>
+          </a:prstGeom>
+          <a:noFill/>
+        </p:spPr>
+        <p:txBody>
+          <a:bodyPr wrap="none" rtlCol="0">
+            <a:spAutoFit/>
+          </a:bodyPr>
+          <a:lstStyle/>
+          <a:p>
+            <a:r>
+              <a:rPr lang="en-US" altLang="ko-KR" sz="2400" b="1" dirty="0">
+                <a:solidFill>
+                  <a:schemeClr val="bg1"/>
+                </a:solidFill>
+                <a:latin typeface="Helvetica" pitchFamily="2" charset="0"/>
+              </a:rPr>
+              <a:t>4. </a:t>
+            </a:r>
+            <a:r>
+              <a:rPr lang="ko-KR" altLang="en-US" sz="2400" b="1" dirty="0">
+                <a:solidFill>
+                  <a:schemeClr val="bg1"/>
+                </a:solidFill>
+                <a:latin typeface="Helvetica" pitchFamily="2" charset="0"/>
+              </a:rPr>
+              <a:t>아이디어 적용 및 확대방안</a:t>
+            </a:r>
+            <a:endParaRPr lang="ko-KR" altLang="en-US" sz="2400" b="1" dirty="0">
+              <a:solidFill>
+                <a:schemeClr val="bg1"/>
+              </a:solidFill>
+              <a:effectLst/>
+              <a:latin typeface="Helvetica" pitchFamily="2" charset="0"/>
+            </a:endParaRPr>
+          </a:p>
+        </p:txBody>
+      </p:sp>
+    </p:spTree>
+    <p:extLst>
+      <p:ext uri="{BB962C8B-B14F-4D97-AF65-F5344CB8AC3E}">
+        <p14:creationId xmlns:p14="http://schemas.microsoft.com/office/powerpoint/2010/main" val="2625974391"/>
+      </p:ext>
+    </p:extLst>
+  </p:cSld>
+  <p:clrMapOvr>
+    <a:masterClrMapping/>
+  </p:clrMapOvr>
+</p:sld>
+</file>
+
+<file path=ppt/slides/slide16.xml><?xml version="1.0" encoding="utf-8"?>
 <p:sld xmlns:a="http://schemas.openxmlformats.org/drawingml/2006/main" xmlns:r="http://schemas.openxmlformats.org/officeDocument/2006/relationships" xmlns:p="http://schemas.openxmlformats.org/presentationml/2006/main">
   <p:cSld>
     <p:spTree>
@@ -6089,7 +7163,13 @@
   <p:cSld>
     <p:spTree>
       <p:nvGrpSpPr>
-        <p:cNvPr id="1" name=""/>
+        <p:cNvPr id="1" name="">
+          <a:extLst>
+            <a:ext uri="{FF2B5EF4-FFF2-40B4-BE49-F238E27FC236}">
+              <a16:creationId xmlns:a16="http://schemas.microsoft.com/office/drawing/2014/main" id="{1CCF29F4-8C74-F09A-CBE5-81D08C972117}"/>
+            </a:ext>
+          </a:extLst>
+        </p:cNvPr>
         <p:cNvGrpSpPr/>
         <p:nvPr/>
       </p:nvGrpSpPr>
@@ -6106,7 +7186,7 @@
           <p:cNvPr id="2" name="TextBox 1">
             <a:extLst>
               <a:ext uri="{FF2B5EF4-FFF2-40B4-BE49-F238E27FC236}">
-                <a16:creationId xmlns:a16="http://schemas.microsoft.com/office/drawing/2014/main" id="{D4A64E54-8A8E-4C10-846E-4383F0A26A23}"/>
+                <a16:creationId xmlns:a16="http://schemas.microsoft.com/office/drawing/2014/main" id="{2D0CD945-4301-07E0-066C-8A6482505A63}"/>
               </a:ext>
             </a:extLst>
           </p:cNvPr>
@@ -6157,10 +7237,358 @@
           </a:p>
         </p:txBody>
       </p:sp>
+      <p:sp>
+        <p:nvSpPr>
+          <p:cNvPr id="3" name="제목 2">
+            <a:extLst>
+              <a:ext uri="{FF2B5EF4-FFF2-40B4-BE49-F238E27FC236}">
+                <a16:creationId xmlns:a16="http://schemas.microsoft.com/office/drawing/2014/main" id="{62152FB5-468C-0F14-A436-F15FFA802D1A}"/>
+              </a:ext>
+            </a:extLst>
+          </p:cNvPr>
+          <p:cNvSpPr txBox="1">
+            <a:spLocks/>
+          </p:cNvSpPr>
+          <p:nvPr/>
+        </p:nvSpPr>
+        <p:spPr>
+          <a:xfrm>
+            <a:off x="601379" y="1179770"/>
+            <a:ext cx="7414862" cy="424724"/>
+          </a:xfrm>
+          <a:prstGeom prst="rect">
+            <a:avLst/>
+          </a:prstGeom>
+        </p:spPr>
+        <p:txBody>
+          <a:bodyPr/>
+          <a:lstStyle>
+            <a:lvl1pPr algn="l" defTabSz="914400" rtl="0" eaLnBrk="1" latinLnBrk="1" hangingPunct="1">
+              <a:lnSpc>
+                <a:spcPct val="90000"/>
+              </a:lnSpc>
+              <a:spcBef>
+                <a:spcPct val="0"/>
+              </a:spcBef>
+              <a:buNone/>
+              <a:defRPr sz="4400" kern="1200">
+                <a:solidFill>
+                  <a:schemeClr val="tx1"/>
+                </a:solidFill>
+                <a:latin typeface="+mj-lt"/>
+                <a:ea typeface="+mj-ea"/>
+                <a:cs typeface="+mj-cs"/>
+              </a:defRPr>
+            </a:lvl1pPr>
+          </a:lstStyle>
+          <a:p>
+            <a:r>
+              <a:rPr lang="ko-KR" altLang="en-US" sz="2000">
+                <a:latin typeface="페이퍼로지 6 SemiBold" pitchFamily="2" charset="-127"/>
+                <a:ea typeface="페이퍼로지 6 SemiBold" pitchFamily="2" charset="-127"/>
+              </a:rPr>
+              <a:t>기후변화로 인한 어업 환경 변화</a:t>
+            </a:r>
+            <a:endParaRPr lang="ko-KR" altLang="en-US" sz="2000" dirty="0">
+              <a:latin typeface="페이퍼로지 6 SemiBold" pitchFamily="2" charset="-127"/>
+              <a:ea typeface="페이퍼로지 6 SemiBold" pitchFamily="2" charset="-127"/>
+            </a:endParaRPr>
+          </a:p>
+        </p:txBody>
+      </p:sp>
+      <p:cxnSp>
+        <p:nvCxnSpPr>
+          <p:cNvPr id="4" name="직선 연결선 3">
+            <a:extLst>
+              <a:ext uri="{FF2B5EF4-FFF2-40B4-BE49-F238E27FC236}">
+                <a16:creationId xmlns:a16="http://schemas.microsoft.com/office/drawing/2014/main" id="{008CA0D1-53D6-590E-FA27-A1953CF281CD}"/>
+              </a:ext>
+            </a:extLst>
+          </p:cNvPr>
+          <p:cNvCxnSpPr>
+            <a:cxnSpLocks/>
+          </p:cNvCxnSpPr>
+          <p:nvPr/>
+        </p:nvCxnSpPr>
+        <p:spPr bwMode="auto">
+          <a:xfrm>
+            <a:off x="530561" y="1584875"/>
+            <a:ext cx="10889279" cy="0"/>
+          </a:xfrm>
+          <a:prstGeom prst="line">
+            <a:avLst/>
+          </a:prstGeom>
+          <a:noFill/>
+          <a:ln w="3175" cap="flat" cmpd="sng" algn="ctr">
+            <a:solidFill>
+              <a:srgbClr val="000000">
+                <a:lumMod val="50000"/>
+                <a:lumOff val="50000"/>
+              </a:srgbClr>
+            </a:solidFill>
+            <a:prstDash val="solid"/>
+            <a:round/>
+            <a:headEnd type="none" w="med" len="med"/>
+            <a:tailEnd type="none" w="med" len="med"/>
+          </a:ln>
+          <a:effectLst/>
+        </p:spPr>
+      </p:cxnSp>
+      <p:sp>
+        <p:nvSpPr>
+          <p:cNvPr id="5" name="TextBox 4">
+            <a:extLst>
+              <a:ext uri="{FF2B5EF4-FFF2-40B4-BE49-F238E27FC236}">
+                <a16:creationId xmlns:a16="http://schemas.microsoft.com/office/drawing/2014/main" id="{CCDCAF76-8A48-7266-C5F1-3F3F95285648}"/>
+              </a:ext>
+            </a:extLst>
+          </p:cNvPr>
+          <p:cNvSpPr txBox="1"/>
+          <p:nvPr/>
+        </p:nvSpPr>
+        <p:spPr>
+          <a:xfrm>
+            <a:off x="561858" y="1629003"/>
+            <a:ext cx="8626386" cy="369332"/>
+          </a:xfrm>
+          <a:prstGeom prst="rect">
+            <a:avLst/>
+          </a:prstGeom>
+          <a:noFill/>
+        </p:spPr>
+        <p:txBody>
+          <a:bodyPr wrap="square" rtlCol="0">
+            <a:spAutoFit/>
+          </a:bodyPr>
+          <a:lstStyle/>
+          <a:p>
+            <a:r>
+              <a:rPr lang="ko-KR" altLang="en-US">
+                <a:latin typeface="프리젠테이션 4 Regular" pitchFamily="2" charset="-127"/>
+                <a:ea typeface="프리젠테이션 4 Regular" pitchFamily="2" charset="-127"/>
+              </a:rPr>
+              <a:t>연안 어족자원 감소로 어민들이 더 멀리 나가며 위험 노출이 커지고 있음</a:t>
+            </a:r>
+          </a:p>
+        </p:txBody>
+      </p:sp>
+      <p:sp>
+        <p:nvSpPr>
+          <p:cNvPr id="10" name="Rectangle 2">
+            <a:extLst>
+              <a:ext uri="{FF2B5EF4-FFF2-40B4-BE49-F238E27FC236}">
+                <a16:creationId xmlns:a16="http://schemas.microsoft.com/office/drawing/2014/main" id="{A46DC8D8-0B25-1AE5-8F1B-9E281D8C7D9D}"/>
+              </a:ext>
+            </a:extLst>
+          </p:cNvPr>
+          <p:cNvSpPr>
+            <a:spLocks noChangeArrowheads="1"/>
+          </p:cNvSpPr>
+          <p:nvPr/>
+        </p:nvSpPr>
+        <p:spPr bwMode="auto">
+          <a:xfrm>
+            <a:off x="662934" y="6276621"/>
+            <a:ext cx="4817873" cy="907941"/>
+          </a:xfrm>
+          <a:prstGeom prst="rect">
+            <a:avLst/>
+          </a:prstGeom>
+          <a:noFill/>
+          <a:ln>
+            <a:noFill/>
+          </a:ln>
+          <a:effectLst/>
+          <a:extLst>
+            <a:ext uri="{909E8E84-426E-40DD-AFC4-6F175D3DCCD1}">
+              <a14:hiddenFill xmlns:a14="http://schemas.microsoft.com/office/drawing/2010/main">
+                <a:solidFill>
+                  <a:schemeClr val="accent1"/>
+                </a:solidFill>
+              </a14:hiddenFill>
+            </a:ext>
+            <a:ext uri="{91240B29-F687-4F45-9708-019B960494DF}">
+              <a14:hiddenLine xmlns:a14="http://schemas.microsoft.com/office/drawing/2010/main" w="9525">
+                <a:solidFill>
+                  <a:schemeClr val="tx1"/>
+                </a:solidFill>
+                <a:miter lim="800000"/>
+                <a:headEnd/>
+                <a:tailEnd/>
+              </a14:hiddenLine>
+            </a:ext>
+            <a:ext uri="{AF507438-7753-43E0-B8FC-AC1667EBCBE1}">
+              <a14:hiddenEffects xmlns:a14="http://schemas.microsoft.com/office/drawing/2010/main">
+                <a:effectLst>
+                  <a:outerShdw dist="35921" dir="2700000" algn="ctr" rotWithShape="0">
+                    <a:schemeClr val="bg2"/>
+                  </a:outerShdw>
+                </a:effectLst>
+              </a14:hiddenEffects>
+            </a:ext>
+          </a:extLst>
+        </p:spPr>
+        <p:txBody>
+          <a:bodyPr vert="horz" wrap="square" lIns="91440" tIns="45720" rIns="91440" bIns="45720" numCol="1" anchor="ctr" anchorCtr="0" compatLnSpc="1">
+            <a:prstTxWarp prst="textNoShape">
+              <a:avLst/>
+            </a:prstTxWarp>
+            <a:spAutoFit/>
+          </a:bodyPr>
+          <a:lstStyle/>
+          <a:p>
+            <a:pPr marR="0" lvl="0" algn="l" defTabSz="914400" rtl="0" eaLnBrk="0" fontAlgn="base" latinLnBrk="0" hangingPunct="0">
+              <a:lnSpc>
+                <a:spcPct val="100000"/>
+              </a:lnSpc>
+              <a:spcBef>
+                <a:spcPts val="600"/>
+              </a:spcBef>
+              <a:spcAft>
+                <a:spcPct val="0"/>
+              </a:spcAft>
+              <a:buClrTx/>
+              <a:buSzTx/>
+              <a:tabLst/>
+            </a:pPr>
+            <a:r>
+              <a:rPr lang="en-US" altLang="ko-KR" sz="1200">
+                <a:latin typeface="+mn-ea"/>
+              </a:rPr>
+              <a:t>* ADF(</a:t>
+            </a:r>
+            <a:r>
+              <a:rPr lang="ko-KR" altLang="en-US" sz="1200">
+                <a:latin typeface="+mn-ea"/>
+              </a:rPr>
+              <a:t>단위근 검정</a:t>
+            </a:r>
+            <a:r>
+              <a:rPr lang="en-US" altLang="ko-KR" sz="1200">
+                <a:latin typeface="+mn-ea"/>
+              </a:rPr>
+              <a:t>) : </a:t>
+            </a:r>
+            <a:r>
+              <a:rPr lang="ko-KR" altLang="en-US" sz="1200">
+                <a:latin typeface="+mn-ea"/>
+              </a:rPr>
+              <a:t>비정상</a:t>
+            </a:r>
+            <a:r>
+              <a:rPr lang="en-US" altLang="ko-KR" sz="1200">
+                <a:latin typeface="+mn-ea"/>
+              </a:rPr>
+              <a:t>(</a:t>
+            </a:r>
+            <a:r>
+              <a:rPr lang="ko-KR" altLang="en-US" sz="1200">
+                <a:latin typeface="+mn-ea"/>
+              </a:rPr>
+              <a:t>단위근 존재</a:t>
+            </a:r>
+            <a:r>
+              <a:rPr lang="en-US" altLang="ko-KR" sz="1200">
+                <a:latin typeface="+mn-ea"/>
+              </a:rPr>
+              <a:t>)</a:t>
+            </a:r>
+            <a:r>
+              <a:rPr lang="ko-KR" altLang="en-US" sz="1200">
+                <a:latin typeface="+mn-ea"/>
+              </a:rPr>
+              <a:t>을 귀무가설로 검정</a:t>
+            </a:r>
+            <a:r>
+              <a:rPr lang="en-US" altLang="ko-KR" sz="1200">
+                <a:latin typeface="+mn-ea"/>
+              </a:rPr>
+              <a:t>. P&lt;0.05</a:t>
+            </a:r>
+            <a:r>
+              <a:rPr lang="ko-KR" altLang="en-US" sz="1200">
+                <a:latin typeface="+mn-ea"/>
+              </a:rPr>
+              <a:t>이면 정상성으로 판단함</a:t>
+            </a:r>
+          </a:p>
+          <a:p>
+            <a:pPr marR="0" lvl="0" algn="l" defTabSz="914400" rtl="0" eaLnBrk="0" fontAlgn="base" latinLnBrk="0" hangingPunct="0">
+              <a:lnSpc>
+                <a:spcPct val="100000"/>
+              </a:lnSpc>
+              <a:spcBef>
+                <a:spcPts val="600"/>
+              </a:spcBef>
+              <a:spcAft>
+                <a:spcPct val="0"/>
+              </a:spcAft>
+              <a:buClrTx/>
+              <a:buSzTx/>
+              <a:tabLst/>
+            </a:pPr>
+            <a:r>
+              <a:rPr kumimoji="0" lang="en-US" altLang="ko-KR" sz="1200" b="0" i="0" u="none" strike="noStrike" cap="none" normalizeH="0" baseline="0">
+                <a:ln>
+                  <a:noFill/>
+                </a:ln>
+                <a:solidFill>
+                  <a:schemeClr val="tx1"/>
+                </a:solidFill>
+                <a:effectLst/>
+                <a:latin typeface="+mn-ea"/>
+              </a:rPr>
+              <a:t>* </a:t>
+            </a:r>
+            <a:r>
+              <a:rPr kumimoji="0" lang="ko-KR" altLang="en-US" sz="1200" b="0" i="0" u="none" strike="noStrike" cap="none" normalizeH="0" baseline="0">
+                <a:ln>
+                  <a:noFill/>
+                </a:ln>
+                <a:solidFill>
+                  <a:schemeClr val="tx1"/>
+                </a:solidFill>
+                <a:effectLst/>
+                <a:latin typeface="+mn-ea"/>
+              </a:rPr>
+              <a:t>차분 </a:t>
+            </a:r>
+            <a:r>
+              <a:rPr kumimoji="0" lang="en-US" altLang="ko-KR" sz="1200" b="0" i="0" u="none" strike="noStrike" cap="none" normalizeH="0" baseline="0">
+                <a:ln>
+                  <a:noFill/>
+                </a:ln>
+                <a:solidFill>
+                  <a:schemeClr val="tx1"/>
+                </a:solidFill>
+                <a:effectLst/>
+                <a:latin typeface="+mn-ea"/>
+              </a:rPr>
+              <a:t>: </a:t>
+            </a:r>
+            <a:r>
+              <a:rPr lang="ko-KR" altLang="en-US" sz="1200">
+                <a:latin typeface="+mn-ea"/>
+              </a:rPr>
+              <a:t>시계열 데이터의 변화분을 구하여 시계열의 평균 변화를 일정하게 만드는 과정</a:t>
+            </a:r>
+            <a:endParaRPr kumimoji="0" lang="ko-KR" altLang="ko-KR" sz="1200" b="0" i="0" u="none" strike="noStrike" cap="none" normalizeH="0" baseline="0">
+              <a:ln>
+                <a:noFill/>
+              </a:ln>
+              <a:solidFill>
+                <a:schemeClr val="tx1"/>
+              </a:solidFill>
+              <a:effectLst/>
+              <a:latin typeface="+mn-ea"/>
+            </a:endParaRPr>
+          </a:p>
+        </p:txBody>
+      </p:sp>
     </p:spTree>
     <p:extLst>
       <p:ext uri="{BB962C8B-B14F-4D97-AF65-F5344CB8AC3E}">
-        <p14:creationId xmlns:p14="http://schemas.microsoft.com/office/powerpoint/2010/main" val="3275712847"/>
+        <p14:creationId xmlns:p14="http://schemas.microsoft.com/office/powerpoint/2010/main" val="3143878286"/>
       </p:ext>
     </p:extLst>
   </p:cSld>
@@ -6171,6 +7599,907 @@
 </file>
 
 <file path=ppt/slides/slide6.xml><?xml version="1.0" encoding="utf-8"?>
+<p:sld xmlns:a="http://schemas.openxmlformats.org/drawingml/2006/main" xmlns:r="http://schemas.openxmlformats.org/officeDocument/2006/relationships" xmlns:p="http://schemas.openxmlformats.org/presentationml/2006/main">
+  <p:cSld>
+    <p:spTree>
+      <p:nvGrpSpPr>
+        <p:cNvPr id="1" name="">
+          <a:extLst>
+            <a:ext uri="{FF2B5EF4-FFF2-40B4-BE49-F238E27FC236}">
+              <a16:creationId xmlns:a16="http://schemas.microsoft.com/office/drawing/2014/main" id="{DA57328A-B171-CA4D-34CE-E1EA02D8906C}"/>
+            </a:ext>
+          </a:extLst>
+        </p:cNvPr>
+        <p:cNvGrpSpPr/>
+        <p:nvPr/>
+      </p:nvGrpSpPr>
+      <p:grpSpPr>
+        <a:xfrm>
+          <a:off x="0" y="0"/>
+          <a:ext cx="0" cy="0"/>
+          <a:chOff x="0" y="0"/>
+          <a:chExt cx="0" cy="0"/>
+        </a:xfrm>
+      </p:grpSpPr>
+      <p:sp>
+        <p:nvSpPr>
+          <p:cNvPr id="2" name="TextBox 1">
+            <a:extLst>
+              <a:ext uri="{FF2B5EF4-FFF2-40B4-BE49-F238E27FC236}">
+                <a16:creationId xmlns:a16="http://schemas.microsoft.com/office/drawing/2014/main" id="{70C13F65-A1BA-C4D0-43C0-B40D57A67DCD}"/>
+              </a:ext>
+            </a:extLst>
+          </p:cNvPr>
+          <p:cNvSpPr txBox="1"/>
+          <p:nvPr/>
+        </p:nvSpPr>
+        <p:spPr>
+          <a:xfrm>
+            <a:off x="1420737" y="408197"/>
+            <a:ext cx="3073277" cy="461665"/>
+          </a:xfrm>
+          <a:prstGeom prst="rect">
+            <a:avLst/>
+          </a:prstGeom>
+          <a:noFill/>
+        </p:spPr>
+        <p:txBody>
+          <a:bodyPr wrap="none" rtlCol="0">
+            <a:spAutoFit/>
+          </a:bodyPr>
+          <a:lstStyle/>
+          <a:p>
+            <a:r>
+              <a:rPr lang="en-US" altLang="ko-KR" sz="2400" b="1" dirty="0">
+                <a:solidFill>
+                  <a:schemeClr val="bg1"/>
+                </a:solidFill>
+                <a:latin typeface="Helvetica" pitchFamily="2" charset="0"/>
+              </a:rPr>
+              <a:t>2. </a:t>
+            </a:r>
+            <a:r>
+              <a:rPr lang="ko-KR" altLang="en-US" sz="2400" b="1" dirty="0">
+                <a:solidFill>
+                  <a:schemeClr val="bg1"/>
+                </a:solidFill>
+                <a:latin typeface="Helvetica" pitchFamily="2" charset="0"/>
+              </a:rPr>
+              <a:t>아이디어 제안배경</a:t>
+            </a:r>
+            <a:endParaRPr lang="ko-KR" altLang="en-US" sz="2400" b="1" dirty="0">
+              <a:solidFill>
+                <a:schemeClr val="bg1"/>
+              </a:solidFill>
+              <a:effectLst/>
+              <a:latin typeface="Helvetica" pitchFamily="2" charset="0"/>
+            </a:endParaRPr>
+          </a:p>
+        </p:txBody>
+      </p:sp>
+      <p:sp>
+        <p:nvSpPr>
+          <p:cNvPr id="3" name="제목 2">
+            <a:extLst>
+              <a:ext uri="{FF2B5EF4-FFF2-40B4-BE49-F238E27FC236}">
+                <a16:creationId xmlns:a16="http://schemas.microsoft.com/office/drawing/2014/main" id="{9000B587-4CB6-1A8E-C647-FF016CB786C5}"/>
+              </a:ext>
+            </a:extLst>
+          </p:cNvPr>
+          <p:cNvSpPr txBox="1">
+            <a:spLocks/>
+          </p:cNvSpPr>
+          <p:nvPr/>
+        </p:nvSpPr>
+        <p:spPr>
+          <a:xfrm>
+            <a:off x="601379" y="1179770"/>
+            <a:ext cx="7414862" cy="424724"/>
+          </a:xfrm>
+          <a:prstGeom prst="rect">
+            <a:avLst/>
+          </a:prstGeom>
+        </p:spPr>
+        <p:txBody>
+          <a:bodyPr/>
+          <a:lstStyle>
+            <a:lvl1pPr algn="l" defTabSz="914400" rtl="0" eaLnBrk="1" latinLnBrk="1" hangingPunct="1">
+              <a:lnSpc>
+                <a:spcPct val="90000"/>
+              </a:lnSpc>
+              <a:spcBef>
+                <a:spcPct val="0"/>
+              </a:spcBef>
+              <a:buNone/>
+              <a:defRPr sz="4400" kern="1200">
+                <a:solidFill>
+                  <a:schemeClr val="tx1"/>
+                </a:solidFill>
+                <a:latin typeface="+mj-lt"/>
+                <a:ea typeface="+mj-ea"/>
+                <a:cs typeface="+mj-cs"/>
+              </a:defRPr>
+            </a:lvl1pPr>
+          </a:lstStyle>
+          <a:p>
+            <a:r>
+              <a:rPr lang="ko-KR" altLang="en-US" sz="2000">
+                <a:latin typeface="페이퍼로지 6 SemiBold" pitchFamily="2" charset="-127"/>
+                <a:ea typeface="페이퍼로지 6 SemiBold" pitchFamily="2" charset="-127"/>
+              </a:rPr>
+              <a:t>최근 해상사고의 지속적 증가</a:t>
+            </a:r>
+            <a:endParaRPr lang="ko-KR" altLang="en-US" sz="2000" dirty="0">
+              <a:latin typeface="페이퍼로지 6 SemiBold" pitchFamily="2" charset="-127"/>
+              <a:ea typeface="페이퍼로지 6 SemiBold" pitchFamily="2" charset="-127"/>
+            </a:endParaRPr>
+          </a:p>
+        </p:txBody>
+      </p:sp>
+      <p:cxnSp>
+        <p:nvCxnSpPr>
+          <p:cNvPr id="4" name="직선 연결선 3">
+            <a:extLst>
+              <a:ext uri="{FF2B5EF4-FFF2-40B4-BE49-F238E27FC236}">
+                <a16:creationId xmlns:a16="http://schemas.microsoft.com/office/drawing/2014/main" id="{1DF2C8D5-4203-4316-4580-7D485DD25805}"/>
+              </a:ext>
+            </a:extLst>
+          </p:cNvPr>
+          <p:cNvCxnSpPr>
+            <a:cxnSpLocks/>
+          </p:cNvCxnSpPr>
+          <p:nvPr/>
+        </p:nvCxnSpPr>
+        <p:spPr bwMode="auto">
+          <a:xfrm>
+            <a:off x="530561" y="1584875"/>
+            <a:ext cx="10889279" cy="0"/>
+          </a:xfrm>
+          <a:prstGeom prst="line">
+            <a:avLst/>
+          </a:prstGeom>
+          <a:noFill/>
+          <a:ln w="3175" cap="flat" cmpd="sng" algn="ctr">
+            <a:solidFill>
+              <a:srgbClr val="000000">
+                <a:lumMod val="50000"/>
+                <a:lumOff val="50000"/>
+              </a:srgbClr>
+            </a:solidFill>
+            <a:prstDash val="solid"/>
+            <a:round/>
+            <a:headEnd type="none" w="med" len="med"/>
+            <a:tailEnd type="none" w="med" len="med"/>
+          </a:ln>
+          <a:effectLst/>
+        </p:spPr>
+      </p:cxnSp>
+      <p:sp>
+        <p:nvSpPr>
+          <p:cNvPr id="5" name="TextBox 4">
+            <a:extLst>
+              <a:ext uri="{FF2B5EF4-FFF2-40B4-BE49-F238E27FC236}">
+                <a16:creationId xmlns:a16="http://schemas.microsoft.com/office/drawing/2014/main" id="{5CE8A131-D7DB-3CA1-3A16-860F67AD04E0}"/>
+              </a:ext>
+            </a:extLst>
+          </p:cNvPr>
+          <p:cNvSpPr txBox="1"/>
+          <p:nvPr/>
+        </p:nvSpPr>
+        <p:spPr>
+          <a:xfrm>
+            <a:off x="561858" y="1629003"/>
+            <a:ext cx="8626386" cy="369332"/>
+          </a:xfrm>
+          <a:prstGeom prst="rect">
+            <a:avLst/>
+          </a:prstGeom>
+          <a:noFill/>
+        </p:spPr>
+        <p:txBody>
+          <a:bodyPr wrap="square" rtlCol="0">
+            <a:spAutoFit/>
+          </a:bodyPr>
+          <a:lstStyle/>
+          <a:p>
+            <a:r>
+              <a:rPr lang="en-US" altLang="ko-KR">
+                <a:latin typeface="프리젠테이션 4 Regular" pitchFamily="2" charset="-127"/>
+                <a:ea typeface="프리젠테이션 4 Regular" pitchFamily="2" charset="-127"/>
+              </a:rPr>
+              <a:t>2025</a:t>
+            </a:r>
+            <a:r>
+              <a:rPr lang="ko-KR" altLang="en-US">
+                <a:latin typeface="프리젠테이션 4 Regular" pitchFamily="2" charset="-127"/>
+                <a:ea typeface="프리젠테이션 4 Regular" pitchFamily="2" charset="-127"/>
+              </a:rPr>
+              <a:t>년 해상사고 건수는 전년 대비 증가하며</a:t>
+            </a:r>
+            <a:r>
+              <a:rPr lang="en-US" altLang="ko-KR">
+                <a:latin typeface="프리젠테이션 4 Regular" pitchFamily="2" charset="-127"/>
+                <a:ea typeface="프리젠테이션 4 Regular" pitchFamily="2" charset="-127"/>
+              </a:rPr>
+              <a:t>, </a:t>
+            </a:r>
+            <a:r>
+              <a:rPr lang="ko-KR" altLang="en-US">
+                <a:latin typeface="프리젠테이션 4 Regular" pitchFamily="2" charset="-127"/>
+                <a:ea typeface="프리젠테이션 4 Regular" pitchFamily="2" charset="-127"/>
+              </a:rPr>
+              <a:t>사고 위험은 점점 커지고 있음</a:t>
+            </a:r>
+          </a:p>
+        </p:txBody>
+      </p:sp>
+      <p:sp>
+        <p:nvSpPr>
+          <p:cNvPr id="10" name="Rectangle 2">
+            <a:extLst>
+              <a:ext uri="{FF2B5EF4-FFF2-40B4-BE49-F238E27FC236}">
+                <a16:creationId xmlns:a16="http://schemas.microsoft.com/office/drawing/2014/main" id="{FE0EB70E-9399-4CFC-EDB7-59799D2C4F20}"/>
+              </a:ext>
+            </a:extLst>
+          </p:cNvPr>
+          <p:cNvSpPr>
+            <a:spLocks noChangeArrowheads="1"/>
+          </p:cNvSpPr>
+          <p:nvPr/>
+        </p:nvSpPr>
+        <p:spPr bwMode="auto">
+          <a:xfrm>
+            <a:off x="662934" y="6276621"/>
+            <a:ext cx="4817873" cy="907941"/>
+          </a:xfrm>
+          <a:prstGeom prst="rect">
+            <a:avLst/>
+          </a:prstGeom>
+          <a:noFill/>
+          <a:ln>
+            <a:noFill/>
+          </a:ln>
+          <a:effectLst/>
+          <a:extLst>
+            <a:ext uri="{909E8E84-426E-40DD-AFC4-6F175D3DCCD1}">
+              <a14:hiddenFill xmlns:a14="http://schemas.microsoft.com/office/drawing/2010/main">
+                <a:solidFill>
+                  <a:schemeClr val="accent1"/>
+                </a:solidFill>
+              </a14:hiddenFill>
+            </a:ext>
+            <a:ext uri="{91240B29-F687-4F45-9708-019B960494DF}">
+              <a14:hiddenLine xmlns:a14="http://schemas.microsoft.com/office/drawing/2010/main" w="9525">
+                <a:solidFill>
+                  <a:schemeClr val="tx1"/>
+                </a:solidFill>
+                <a:miter lim="800000"/>
+                <a:headEnd/>
+                <a:tailEnd/>
+              </a14:hiddenLine>
+            </a:ext>
+            <a:ext uri="{AF507438-7753-43E0-B8FC-AC1667EBCBE1}">
+              <a14:hiddenEffects xmlns:a14="http://schemas.microsoft.com/office/drawing/2010/main">
+                <a:effectLst>
+                  <a:outerShdw dist="35921" dir="2700000" algn="ctr" rotWithShape="0">
+                    <a:schemeClr val="bg2"/>
+                  </a:outerShdw>
+                </a:effectLst>
+              </a14:hiddenEffects>
+            </a:ext>
+          </a:extLst>
+        </p:spPr>
+        <p:txBody>
+          <a:bodyPr vert="horz" wrap="square" lIns="91440" tIns="45720" rIns="91440" bIns="45720" numCol="1" anchor="ctr" anchorCtr="0" compatLnSpc="1">
+            <a:prstTxWarp prst="textNoShape">
+              <a:avLst/>
+            </a:prstTxWarp>
+            <a:spAutoFit/>
+          </a:bodyPr>
+          <a:lstStyle/>
+          <a:p>
+            <a:pPr marR="0" lvl="0" algn="l" defTabSz="914400" rtl="0" eaLnBrk="0" fontAlgn="base" latinLnBrk="0" hangingPunct="0">
+              <a:lnSpc>
+                <a:spcPct val="100000"/>
+              </a:lnSpc>
+              <a:spcBef>
+                <a:spcPts val="600"/>
+              </a:spcBef>
+              <a:spcAft>
+                <a:spcPct val="0"/>
+              </a:spcAft>
+              <a:buClrTx/>
+              <a:buSzTx/>
+              <a:tabLst/>
+            </a:pPr>
+            <a:r>
+              <a:rPr lang="en-US" altLang="ko-KR" sz="1200">
+                <a:latin typeface="+mn-ea"/>
+              </a:rPr>
+              <a:t>* ADF(</a:t>
+            </a:r>
+            <a:r>
+              <a:rPr lang="ko-KR" altLang="en-US" sz="1200">
+                <a:latin typeface="+mn-ea"/>
+              </a:rPr>
+              <a:t>단위근 검정</a:t>
+            </a:r>
+            <a:r>
+              <a:rPr lang="en-US" altLang="ko-KR" sz="1200">
+                <a:latin typeface="+mn-ea"/>
+              </a:rPr>
+              <a:t>) : </a:t>
+            </a:r>
+            <a:r>
+              <a:rPr lang="ko-KR" altLang="en-US" sz="1200">
+                <a:latin typeface="+mn-ea"/>
+              </a:rPr>
+              <a:t>비정상</a:t>
+            </a:r>
+            <a:r>
+              <a:rPr lang="en-US" altLang="ko-KR" sz="1200">
+                <a:latin typeface="+mn-ea"/>
+              </a:rPr>
+              <a:t>(</a:t>
+            </a:r>
+            <a:r>
+              <a:rPr lang="ko-KR" altLang="en-US" sz="1200">
+                <a:latin typeface="+mn-ea"/>
+              </a:rPr>
+              <a:t>단위근 존재</a:t>
+            </a:r>
+            <a:r>
+              <a:rPr lang="en-US" altLang="ko-KR" sz="1200">
+                <a:latin typeface="+mn-ea"/>
+              </a:rPr>
+              <a:t>)</a:t>
+            </a:r>
+            <a:r>
+              <a:rPr lang="ko-KR" altLang="en-US" sz="1200">
+                <a:latin typeface="+mn-ea"/>
+              </a:rPr>
+              <a:t>을 귀무가설로 검정</a:t>
+            </a:r>
+            <a:r>
+              <a:rPr lang="en-US" altLang="ko-KR" sz="1200">
+                <a:latin typeface="+mn-ea"/>
+              </a:rPr>
+              <a:t>. P&lt;0.05</a:t>
+            </a:r>
+            <a:r>
+              <a:rPr lang="ko-KR" altLang="en-US" sz="1200">
+                <a:latin typeface="+mn-ea"/>
+              </a:rPr>
+              <a:t>이면 정상성으로 판단함</a:t>
+            </a:r>
+          </a:p>
+          <a:p>
+            <a:pPr marR="0" lvl="0" algn="l" defTabSz="914400" rtl="0" eaLnBrk="0" fontAlgn="base" latinLnBrk="0" hangingPunct="0">
+              <a:lnSpc>
+                <a:spcPct val="100000"/>
+              </a:lnSpc>
+              <a:spcBef>
+                <a:spcPts val="600"/>
+              </a:spcBef>
+              <a:spcAft>
+                <a:spcPct val="0"/>
+              </a:spcAft>
+              <a:buClrTx/>
+              <a:buSzTx/>
+              <a:tabLst/>
+            </a:pPr>
+            <a:r>
+              <a:rPr kumimoji="0" lang="en-US" altLang="ko-KR" sz="1200" b="0" i="0" u="none" strike="noStrike" cap="none" normalizeH="0" baseline="0">
+                <a:ln>
+                  <a:noFill/>
+                </a:ln>
+                <a:solidFill>
+                  <a:schemeClr val="tx1"/>
+                </a:solidFill>
+                <a:effectLst/>
+                <a:latin typeface="+mn-ea"/>
+              </a:rPr>
+              <a:t>* </a:t>
+            </a:r>
+            <a:r>
+              <a:rPr kumimoji="0" lang="ko-KR" altLang="en-US" sz="1200" b="0" i="0" u="none" strike="noStrike" cap="none" normalizeH="0" baseline="0">
+                <a:ln>
+                  <a:noFill/>
+                </a:ln>
+                <a:solidFill>
+                  <a:schemeClr val="tx1"/>
+                </a:solidFill>
+                <a:effectLst/>
+                <a:latin typeface="+mn-ea"/>
+              </a:rPr>
+              <a:t>차분 </a:t>
+            </a:r>
+            <a:r>
+              <a:rPr kumimoji="0" lang="en-US" altLang="ko-KR" sz="1200" b="0" i="0" u="none" strike="noStrike" cap="none" normalizeH="0" baseline="0">
+                <a:ln>
+                  <a:noFill/>
+                </a:ln>
+                <a:solidFill>
+                  <a:schemeClr val="tx1"/>
+                </a:solidFill>
+                <a:effectLst/>
+                <a:latin typeface="+mn-ea"/>
+              </a:rPr>
+              <a:t>: </a:t>
+            </a:r>
+            <a:r>
+              <a:rPr lang="ko-KR" altLang="en-US" sz="1200">
+                <a:latin typeface="+mn-ea"/>
+              </a:rPr>
+              <a:t>시계열 데이터의 변화분을 구하여 시계열의 평균 변화를 일정하게 만드는 과정</a:t>
+            </a:r>
+            <a:endParaRPr kumimoji="0" lang="ko-KR" altLang="ko-KR" sz="1200" b="0" i="0" u="none" strike="noStrike" cap="none" normalizeH="0" baseline="0">
+              <a:ln>
+                <a:noFill/>
+              </a:ln>
+              <a:solidFill>
+                <a:schemeClr val="tx1"/>
+              </a:solidFill>
+              <a:effectLst/>
+              <a:latin typeface="+mn-ea"/>
+            </a:endParaRPr>
+          </a:p>
+        </p:txBody>
+      </p:sp>
+    </p:spTree>
+    <p:extLst>
+      <p:ext uri="{BB962C8B-B14F-4D97-AF65-F5344CB8AC3E}">
+        <p14:creationId xmlns:p14="http://schemas.microsoft.com/office/powerpoint/2010/main" val="1309541510"/>
+      </p:ext>
+    </p:extLst>
+  </p:cSld>
+  <p:clrMapOvr>
+    <a:masterClrMapping/>
+  </p:clrMapOvr>
+</p:sld>
+</file>
+
+<file path=ppt/slides/slide7.xml><?xml version="1.0" encoding="utf-8"?>
+<p:sld xmlns:a="http://schemas.openxmlformats.org/drawingml/2006/main" xmlns:r="http://schemas.openxmlformats.org/officeDocument/2006/relationships" xmlns:p="http://schemas.openxmlformats.org/presentationml/2006/main">
+  <p:cSld>
+    <p:spTree>
+      <p:nvGrpSpPr>
+        <p:cNvPr id="1" name="">
+          <a:extLst>
+            <a:ext uri="{FF2B5EF4-FFF2-40B4-BE49-F238E27FC236}">
+              <a16:creationId xmlns:a16="http://schemas.microsoft.com/office/drawing/2014/main" id="{EA58C203-E21B-DC8D-1E79-3F4795A36508}"/>
+            </a:ext>
+          </a:extLst>
+        </p:cNvPr>
+        <p:cNvGrpSpPr/>
+        <p:nvPr/>
+      </p:nvGrpSpPr>
+      <p:grpSpPr>
+        <a:xfrm>
+          <a:off x="0" y="0"/>
+          <a:ext cx="0" cy="0"/>
+          <a:chOff x="0" y="0"/>
+          <a:chExt cx="0" cy="0"/>
+        </a:xfrm>
+      </p:grpSpPr>
+      <p:sp>
+        <p:nvSpPr>
+          <p:cNvPr id="2" name="TextBox 1">
+            <a:extLst>
+              <a:ext uri="{FF2B5EF4-FFF2-40B4-BE49-F238E27FC236}">
+                <a16:creationId xmlns:a16="http://schemas.microsoft.com/office/drawing/2014/main" id="{2ACE2BFE-F37A-4746-66E1-55AC24769EB3}"/>
+              </a:ext>
+            </a:extLst>
+          </p:cNvPr>
+          <p:cNvSpPr txBox="1"/>
+          <p:nvPr/>
+        </p:nvSpPr>
+        <p:spPr>
+          <a:xfrm>
+            <a:off x="1420737" y="408197"/>
+            <a:ext cx="3073277" cy="461665"/>
+          </a:xfrm>
+          <a:prstGeom prst="rect">
+            <a:avLst/>
+          </a:prstGeom>
+          <a:noFill/>
+        </p:spPr>
+        <p:txBody>
+          <a:bodyPr wrap="none" rtlCol="0">
+            <a:spAutoFit/>
+          </a:bodyPr>
+          <a:lstStyle/>
+          <a:p>
+            <a:r>
+              <a:rPr lang="en-US" altLang="ko-KR" sz="2400" b="1" dirty="0">
+                <a:solidFill>
+                  <a:schemeClr val="bg1"/>
+                </a:solidFill>
+                <a:latin typeface="Helvetica" pitchFamily="2" charset="0"/>
+              </a:rPr>
+              <a:t>2. </a:t>
+            </a:r>
+            <a:r>
+              <a:rPr lang="ko-KR" altLang="en-US" sz="2400" b="1" dirty="0">
+                <a:solidFill>
+                  <a:schemeClr val="bg1"/>
+                </a:solidFill>
+                <a:latin typeface="Helvetica" pitchFamily="2" charset="0"/>
+              </a:rPr>
+              <a:t>아이디어 제안배경</a:t>
+            </a:r>
+            <a:endParaRPr lang="ko-KR" altLang="en-US" sz="2400" b="1" dirty="0">
+              <a:solidFill>
+                <a:schemeClr val="bg1"/>
+              </a:solidFill>
+              <a:effectLst/>
+              <a:latin typeface="Helvetica" pitchFamily="2" charset="0"/>
+            </a:endParaRPr>
+          </a:p>
+        </p:txBody>
+      </p:sp>
+      <p:sp>
+        <p:nvSpPr>
+          <p:cNvPr id="3" name="제목 2">
+            <a:extLst>
+              <a:ext uri="{FF2B5EF4-FFF2-40B4-BE49-F238E27FC236}">
+                <a16:creationId xmlns:a16="http://schemas.microsoft.com/office/drawing/2014/main" id="{92A50843-AEB6-4C35-F3AC-272E710754D8}"/>
+              </a:ext>
+            </a:extLst>
+          </p:cNvPr>
+          <p:cNvSpPr txBox="1">
+            <a:spLocks/>
+          </p:cNvSpPr>
+          <p:nvPr/>
+        </p:nvSpPr>
+        <p:spPr>
+          <a:xfrm>
+            <a:off x="601379" y="1179770"/>
+            <a:ext cx="7414862" cy="424724"/>
+          </a:xfrm>
+          <a:prstGeom prst="rect">
+            <a:avLst/>
+          </a:prstGeom>
+        </p:spPr>
+        <p:txBody>
+          <a:bodyPr/>
+          <a:lstStyle>
+            <a:lvl1pPr algn="l" defTabSz="914400" rtl="0" eaLnBrk="1" latinLnBrk="1" hangingPunct="1">
+              <a:lnSpc>
+                <a:spcPct val="90000"/>
+              </a:lnSpc>
+              <a:spcBef>
+                <a:spcPct val="0"/>
+              </a:spcBef>
+              <a:buNone/>
+              <a:defRPr sz="4400" kern="1200">
+                <a:solidFill>
+                  <a:schemeClr val="tx1"/>
+                </a:solidFill>
+                <a:latin typeface="+mj-lt"/>
+                <a:ea typeface="+mj-ea"/>
+                <a:cs typeface="+mj-cs"/>
+              </a:defRPr>
+            </a:lvl1pPr>
+          </a:lstStyle>
+          <a:p>
+            <a:r>
+              <a:rPr lang="ko-KR" altLang="en-US" sz="2000">
+                <a:latin typeface="페이퍼로지 6 SemiBold" pitchFamily="2" charset="-127"/>
+                <a:ea typeface="페이퍼로지 6 SemiBold" pitchFamily="2" charset="-127"/>
+              </a:rPr>
+              <a:t>해상사고의 심각성</a:t>
+            </a:r>
+            <a:endParaRPr lang="ko-KR" altLang="en-US" sz="2000" dirty="0">
+              <a:latin typeface="페이퍼로지 6 SemiBold" pitchFamily="2" charset="-127"/>
+              <a:ea typeface="페이퍼로지 6 SemiBold" pitchFamily="2" charset="-127"/>
+            </a:endParaRPr>
+          </a:p>
+        </p:txBody>
+      </p:sp>
+      <p:cxnSp>
+        <p:nvCxnSpPr>
+          <p:cNvPr id="4" name="직선 연결선 3">
+            <a:extLst>
+              <a:ext uri="{FF2B5EF4-FFF2-40B4-BE49-F238E27FC236}">
+                <a16:creationId xmlns:a16="http://schemas.microsoft.com/office/drawing/2014/main" id="{66920757-06FE-8894-5CE8-2AEDD4C9F271}"/>
+              </a:ext>
+            </a:extLst>
+          </p:cNvPr>
+          <p:cNvCxnSpPr>
+            <a:cxnSpLocks/>
+          </p:cNvCxnSpPr>
+          <p:nvPr/>
+        </p:nvCxnSpPr>
+        <p:spPr bwMode="auto">
+          <a:xfrm>
+            <a:off x="530561" y="1584875"/>
+            <a:ext cx="10889279" cy="0"/>
+          </a:xfrm>
+          <a:prstGeom prst="line">
+            <a:avLst/>
+          </a:prstGeom>
+          <a:noFill/>
+          <a:ln w="3175" cap="flat" cmpd="sng" algn="ctr">
+            <a:solidFill>
+              <a:srgbClr val="000000">
+                <a:lumMod val="50000"/>
+                <a:lumOff val="50000"/>
+              </a:srgbClr>
+            </a:solidFill>
+            <a:prstDash val="solid"/>
+            <a:round/>
+            <a:headEnd type="none" w="med" len="med"/>
+            <a:tailEnd type="none" w="med" len="med"/>
+          </a:ln>
+          <a:effectLst/>
+        </p:spPr>
+      </p:cxnSp>
+      <p:sp>
+        <p:nvSpPr>
+          <p:cNvPr id="5" name="TextBox 4">
+            <a:extLst>
+              <a:ext uri="{FF2B5EF4-FFF2-40B4-BE49-F238E27FC236}">
+                <a16:creationId xmlns:a16="http://schemas.microsoft.com/office/drawing/2014/main" id="{7E40A761-3D4E-A251-65DB-FEA9EE940472}"/>
+              </a:ext>
+            </a:extLst>
+          </p:cNvPr>
+          <p:cNvSpPr txBox="1"/>
+          <p:nvPr/>
+        </p:nvSpPr>
+        <p:spPr>
+          <a:xfrm>
+            <a:off x="561858" y="1629003"/>
+            <a:ext cx="8626386" cy="369332"/>
+          </a:xfrm>
+          <a:prstGeom prst="rect">
+            <a:avLst/>
+          </a:prstGeom>
+          <a:noFill/>
+        </p:spPr>
+        <p:txBody>
+          <a:bodyPr wrap="square" rtlCol="0">
+            <a:spAutoFit/>
+          </a:bodyPr>
+          <a:lstStyle/>
+          <a:p>
+            <a:r>
+              <a:rPr lang="ko-KR" altLang="en-US">
+                <a:latin typeface="프리젠테이션 4 Regular" pitchFamily="2" charset="-127"/>
+                <a:ea typeface="프리젠테이션 4 Regular" pitchFamily="2" charset="-127"/>
+              </a:rPr>
+              <a:t>한 건의 해상사고가 수많은 생명과 수십억 원의 손실로 이어짐</a:t>
+            </a:r>
+          </a:p>
+        </p:txBody>
+      </p:sp>
+      <p:sp>
+        <p:nvSpPr>
+          <p:cNvPr id="10" name="Rectangle 2">
+            <a:extLst>
+              <a:ext uri="{FF2B5EF4-FFF2-40B4-BE49-F238E27FC236}">
+                <a16:creationId xmlns:a16="http://schemas.microsoft.com/office/drawing/2014/main" id="{251821A0-0DB8-BAE1-462A-56AA2A86106D}"/>
+              </a:ext>
+            </a:extLst>
+          </p:cNvPr>
+          <p:cNvSpPr>
+            <a:spLocks noChangeArrowheads="1"/>
+          </p:cNvSpPr>
+          <p:nvPr/>
+        </p:nvSpPr>
+        <p:spPr bwMode="auto">
+          <a:xfrm>
+            <a:off x="662934" y="6276621"/>
+            <a:ext cx="4817873" cy="907941"/>
+          </a:xfrm>
+          <a:prstGeom prst="rect">
+            <a:avLst/>
+          </a:prstGeom>
+          <a:noFill/>
+          <a:ln>
+            <a:noFill/>
+          </a:ln>
+          <a:effectLst/>
+          <a:extLst>
+            <a:ext uri="{909E8E84-426E-40DD-AFC4-6F175D3DCCD1}">
+              <a14:hiddenFill xmlns:a14="http://schemas.microsoft.com/office/drawing/2010/main">
+                <a:solidFill>
+                  <a:schemeClr val="accent1"/>
+                </a:solidFill>
+              </a14:hiddenFill>
+            </a:ext>
+            <a:ext uri="{91240B29-F687-4F45-9708-019B960494DF}">
+              <a14:hiddenLine xmlns:a14="http://schemas.microsoft.com/office/drawing/2010/main" w="9525">
+                <a:solidFill>
+                  <a:schemeClr val="tx1"/>
+                </a:solidFill>
+                <a:miter lim="800000"/>
+                <a:headEnd/>
+                <a:tailEnd/>
+              </a14:hiddenLine>
+            </a:ext>
+            <a:ext uri="{AF507438-7753-43E0-B8FC-AC1667EBCBE1}">
+              <a14:hiddenEffects xmlns:a14="http://schemas.microsoft.com/office/drawing/2010/main">
+                <a:effectLst>
+                  <a:outerShdw dist="35921" dir="2700000" algn="ctr" rotWithShape="0">
+                    <a:schemeClr val="bg2"/>
+                  </a:outerShdw>
+                </a:effectLst>
+              </a14:hiddenEffects>
+            </a:ext>
+          </a:extLst>
+        </p:spPr>
+        <p:txBody>
+          <a:bodyPr vert="horz" wrap="square" lIns="91440" tIns="45720" rIns="91440" bIns="45720" numCol="1" anchor="ctr" anchorCtr="0" compatLnSpc="1">
+            <a:prstTxWarp prst="textNoShape">
+              <a:avLst/>
+            </a:prstTxWarp>
+            <a:spAutoFit/>
+          </a:bodyPr>
+          <a:lstStyle/>
+          <a:p>
+            <a:pPr marR="0" lvl="0" algn="l" defTabSz="914400" rtl="0" eaLnBrk="0" fontAlgn="base" latinLnBrk="0" hangingPunct="0">
+              <a:lnSpc>
+                <a:spcPct val="100000"/>
+              </a:lnSpc>
+              <a:spcBef>
+                <a:spcPts val="600"/>
+              </a:spcBef>
+              <a:spcAft>
+                <a:spcPct val="0"/>
+              </a:spcAft>
+              <a:buClrTx/>
+              <a:buSzTx/>
+              <a:tabLst/>
+            </a:pPr>
+            <a:r>
+              <a:rPr lang="en-US" altLang="ko-KR" sz="1200">
+                <a:latin typeface="+mn-ea"/>
+              </a:rPr>
+              <a:t>* ADF(</a:t>
+            </a:r>
+            <a:r>
+              <a:rPr lang="ko-KR" altLang="en-US" sz="1200">
+                <a:latin typeface="+mn-ea"/>
+              </a:rPr>
+              <a:t>단위근 검정</a:t>
+            </a:r>
+            <a:r>
+              <a:rPr lang="en-US" altLang="ko-KR" sz="1200">
+                <a:latin typeface="+mn-ea"/>
+              </a:rPr>
+              <a:t>) : </a:t>
+            </a:r>
+            <a:r>
+              <a:rPr lang="ko-KR" altLang="en-US" sz="1200">
+                <a:latin typeface="+mn-ea"/>
+              </a:rPr>
+              <a:t>비정상</a:t>
+            </a:r>
+            <a:r>
+              <a:rPr lang="en-US" altLang="ko-KR" sz="1200">
+                <a:latin typeface="+mn-ea"/>
+              </a:rPr>
+              <a:t>(</a:t>
+            </a:r>
+            <a:r>
+              <a:rPr lang="ko-KR" altLang="en-US" sz="1200">
+                <a:latin typeface="+mn-ea"/>
+              </a:rPr>
+              <a:t>단위근 존재</a:t>
+            </a:r>
+            <a:r>
+              <a:rPr lang="en-US" altLang="ko-KR" sz="1200">
+                <a:latin typeface="+mn-ea"/>
+              </a:rPr>
+              <a:t>)</a:t>
+            </a:r>
+            <a:r>
+              <a:rPr lang="ko-KR" altLang="en-US" sz="1200">
+                <a:latin typeface="+mn-ea"/>
+              </a:rPr>
+              <a:t>을 귀무가설로 검정</a:t>
+            </a:r>
+            <a:r>
+              <a:rPr lang="en-US" altLang="ko-KR" sz="1200">
+                <a:latin typeface="+mn-ea"/>
+              </a:rPr>
+              <a:t>. P&lt;0.05</a:t>
+            </a:r>
+            <a:r>
+              <a:rPr lang="ko-KR" altLang="en-US" sz="1200">
+                <a:latin typeface="+mn-ea"/>
+              </a:rPr>
+              <a:t>이면 정상성으로 판단함</a:t>
+            </a:r>
+          </a:p>
+          <a:p>
+            <a:pPr marR="0" lvl="0" algn="l" defTabSz="914400" rtl="0" eaLnBrk="0" fontAlgn="base" latinLnBrk="0" hangingPunct="0">
+              <a:lnSpc>
+                <a:spcPct val="100000"/>
+              </a:lnSpc>
+              <a:spcBef>
+                <a:spcPts val="600"/>
+              </a:spcBef>
+              <a:spcAft>
+                <a:spcPct val="0"/>
+              </a:spcAft>
+              <a:buClrTx/>
+              <a:buSzTx/>
+              <a:tabLst/>
+            </a:pPr>
+            <a:r>
+              <a:rPr kumimoji="0" lang="en-US" altLang="ko-KR" sz="1200" b="0" i="0" u="none" strike="noStrike" cap="none" normalizeH="0" baseline="0">
+                <a:ln>
+                  <a:noFill/>
+                </a:ln>
+                <a:solidFill>
+                  <a:schemeClr val="tx1"/>
+                </a:solidFill>
+                <a:effectLst/>
+                <a:latin typeface="+mn-ea"/>
+              </a:rPr>
+              <a:t>* </a:t>
+            </a:r>
+            <a:r>
+              <a:rPr kumimoji="0" lang="ko-KR" altLang="en-US" sz="1200" b="0" i="0" u="none" strike="noStrike" cap="none" normalizeH="0" baseline="0">
+                <a:ln>
+                  <a:noFill/>
+                </a:ln>
+                <a:solidFill>
+                  <a:schemeClr val="tx1"/>
+                </a:solidFill>
+                <a:effectLst/>
+                <a:latin typeface="+mn-ea"/>
+              </a:rPr>
+              <a:t>차분 </a:t>
+            </a:r>
+            <a:r>
+              <a:rPr kumimoji="0" lang="en-US" altLang="ko-KR" sz="1200" b="0" i="0" u="none" strike="noStrike" cap="none" normalizeH="0" baseline="0">
+                <a:ln>
+                  <a:noFill/>
+                </a:ln>
+                <a:solidFill>
+                  <a:schemeClr val="tx1"/>
+                </a:solidFill>
+                <a:effectLst/>
+                <a:latin typeface="+mn-ea"/>
+              </a:rPr>
+              <a:t>: </a:t>
+            </a:r>
+            <a:r>
+              <a:rPr lang="ko-KR" altLang="en-US" sz="1200">
+                <a:latin typeface="+mn-ea"/>
+              </a:rPr>
+              <a:t>시계열 데이터의 변화분을 구하여 시계열의 평균 변화를 일정하게 만드는 과정</a:t>
+            </a:r>
+            <a:endParaRPr kumimoji="0" lang="ko-KR" altLang="ko-KR" sz="1200" b="0" i="0" u="none" strike="noStrike" cap="none" normalizeH="0" baseline="0">
+              <a:ln>
+                <a:noFill/>
+              </a:ln>
+              <a:solidFill>
+                <a:schemeClr val="tx1"/>
+              </a:solidFill>
+              <a:effectLst/>
+              <a:latin typeface="+mn-ea"/>
+            </a:endParaRPr>
+          </a:p>
+        </p:txBody>
+      </p:sp>
+    </p:spTree>
+    <p:extLst>
+      <p:ext uri="{BB962C8B-B14F-4D97-AF65-F5344CB8AC3E}">
+        <p14:creationId xmlns:p14="http://schemas.microsoft.com/office/powerpoint/2010/main" val="412706026"/>
+      </p:ext>
+    </p:extLst>
+  </p:cSld>
+  <p:clrMapOvr>
+    <a:masterClrMapping/>
+  </p:clrMapOvr>
+</p:sld>
+</file>
+
+<file path=ppt/slides/slide8.xml><?xml version="1.0" encoding="utf-8"?>
 <p:sld xmlns:a="http://schemas.openxmlformats.org/drawingml/2006/main" xmlns:r="http://schemas.openxmlformats.org/officeDocument/2006/relationships" xmlns:p="http://schemas.openxmlformats.org/presentationml/2006/main">
   <p:cSld>
     <p:spTree>
@@ -6263,8 +8592,8 @@
         </p:nvSpPr>
         <p:spPr>
           <a:xfrm>
-            <a:off x="566912" y="1464879"/>
-            <a:ext cx="9514114" cy="646331"/>
+            <a:off x="4337296" y="452052"/>
+            <a:ext cx="3517408" cy="646331"/>
           </a:xfrm>
           <a:prstGeom prst="rect">
             <a:avLst/>
@@ -6279,18 +8608,27 @@
           <a:p>
             <a:r>
               <a:rPr lang="ko-KR" altLang="en-US" dirty="0">
+                <a:solidFill>
+                  <a:schemeClr val="bg1"/>
+                </a:solidFill>
                 <a:latin typeface="+mn-ea"/>
               </a:rPr>
               <a:t>① 아이디어</a:t>
             </a:r>
             <a:r>
               <a:rPr lang="en-US" altLang="ko-KR" dirty="0">
+                <a:solidFill>
+                  <a:schemeClr val="bg1"/>
+                </a:solidFill>
                 <a:latin typeface="+mn-ea"/>
               </a:rPr>
               <a:t>/</a:t>
             </a:r>
             <a:r>
               <a:rPr lang="ko-KR" altLang="en-US" dirty="0">
+                <a:solidFill>
+                  <a:schemeClr val="bg1"/>
+                </a:solidFill>
                 <a:latin typeface="+mn-ea"/>
               </a:rPr>
               <a:t>서비스 핵심 내용 </a:t>
@@ -6298,53 +8636,117 @@
           </a:p>
           <a:p>
             <a:endParaRPr kumimoji="1" lang="ko-KR" altLang="en-US" dirty="0">
+              <a:solidFill>
+                <a:schemeClr val="bg1"/>
+              </a:solidFill>
               <a:latin typeface="+mn-ea"/>
             </a:endParaRPr>
           </a:p>
         </p:txBody>
       </p:sp>
-    </p:spTree>
-    <p:extLst>
-      <p:ext uri="{BB962C8B-B14F-4D97-AF65-F5344CB8AC3E}">
-        <p14:creationId xmlns:p14="http://schemas.microsoft.com/office/powerpoint/2010/main" val="3178543812"/>
-      </p:ext>
-    </p:extLst>
-  </p:cSld>
-  <p:clrMapOvr>
-    <a:masterClrMapping/>
-  </p:clrMapOvr>
-</p:sld>
-</file>
-
-<file path=ppt/slides/slide7.xml><?xml version="1.0" encoding="utf-8"?>
-<p:sld xmlns:a="http://schemas.openxmlformats.org/drawingml/2006/main" xmlns:r="http://schemas.openxmlformats.org/officeDocument/2006/relationships" xmlns:p="http://schemas.openxmlformats.org/presentationml/2006/main">
-  <p:cSld>
-    <p:spTree>
-      <p:nvGrpSpPr>
-        <p:cNvPr id="1" name="">
-          <a:extLst>
-            <a:ext uri="{FF2B5EF4-FFF2-40B4-BE49-F238E27FC236}">
-              <a16:creationId xmlns:a16="http://schemas.microsoft.com/office/drawing/2014/main" id="{964991F9-6AF3-DE61-035F-781A3B3C9644}"/>
-            </a:ext>
-          </a:extLst>
-        </p:cNvPr>
-        <p:cNvGrpSpPr/>
-        <p:nvPr/>
-      </p:nvGrpSpPr>
-      <p:grpSpPr>
-        <a:xfrm>
-          <a:off x="0" y="0"/>
-          <a:ext cx="0" cy="0"/>
-          <a:chOff x="0" y="0"/>
-          <a:chExt cx="0" cy="0"/>
-        </a:xfrm>
-      </p:grpSpPr>
-      <p:sp>
-        <p:nvSpPr>
-          <p:cNvPr id="2" name="TextBox 1">
-            <a:extLst>
-              <a:ext uri="{FF2B5EF4-FFF2-40B4-BE49-F238E27FC236}">
-                <a16:creationId xmlns:a16="http://schemas.microsoft.com/office/drawing/2014/main" id="{14B1C2C5-7C52-1813-9BDF-E62554B62533}"/>
+      <p:sp>
+        <p:nvSpPr>
+          <p:cNvPr id="3" name="제목 2">
+            <a:extLst>
+              <a:ext uri="{FF2B5EF4-FFF2-40B4-BE49-F238E27FC236}">
+                <a16:creationId xmlns:a16="http://schemas.microsoft.com/office/drawing/2014/main" id="{4E9CC9D4-62EB-EEB8-AD9D-E31F194CC220}"/>
+              </a:ext>
+            </a:extLst>
+          </p:cNvPr>
+          <p:cNvSpPr txBox="1">
+            <a:spLocks/>
+          </p:cNvSpPr>
+          <p:nvPr/>
+        </p:nvSpPr>
+        <p:spPr>
+          <a:xfrm>
+            <a:off x="601379" y="1179770"/>
+            <a:ext cx="7414862" cy="424724"/>
+          </a:xfrm>
+          <a:prstGeom prst="rect">
+            <a:avLst/>
+          </a:prstGeom>
+        </p:spPr>
+        <p:txBody>
+          <a:bodyPr/>
+          <a:lstStyle>
+            <a:lvl1pPr algn="l" defTabSz="914400" rtl="0" eaLnBrk="1" latinLnBrk="1" hangingPunct="1">
+              <a:lnSpc>
+                <a:spcPct val="90000"/>
+              </a:lnSpc>
+              <a:spcBef>
+                <a:spcPct val="0"/>
+              </a:spcBef>
+              <a:buNone/>
+              <a:defRPr sz="4400" kern="1200">
+                <a:solidFill>
+                  <a:schemeClr val="tx1"/>
+                </a:solidFill>
+                <a:latin typeface="+mj-lt"/>
+                <a:ea typeface="+mj-ea"/>
+                <a:cs typeface="+mj-cs"/>
+              </a:defRPr>
+            </a:lvl1pPr>
+          </a:lstStyle>
+          <a:p>
+            <a:r>
+              <a:rPr lang="ko-KR" altLang="en-US" sz="2000">
+                <a:latin typeface="페이퍼로지 6 SemiBold" pitchFamily="2" charset="-127"/>
+                <a:ea typeface="페이퍼로지 6 SemiBold" pitchFamily="2" charset="-127"/>
+              </a:rPr>
+              <a:t>딥러닝 기반 해양사고 위험 예방 통합 대시보드</a:t>
+            </a:r>
+            <a:endParaRPr lang="ko-KR" altLang="en-US" sz="2000" dirty="0">
+              <a:latin typeface="페이퍼로지 6 SemiBold" pitchFamily="2" charset="-127"/>
+              <a:ea typeface="페이퍼로지 6 SemiBold" pitchFamily="2" charset="-127"/>
+            </a:endParaRPr>
+          </a:p>
+        </p:txBody>
+      </p:sp>
+      <p:cxnSp>
+        <p:nvCxnSpPr>
+          <p:cNvPr id="4" name="직선 연결선 3">
+            <a:extLst>
+              <a:ext uri="{FF2B5EF4-FFF2-40B4-BE49-F238E27FC236}">
+                <a16:creationId xmlns:a16="http://schemas.microsoft.com/office/drawing/2014/main" id="{7C1117AF-ADAE-B7A9-EFA8-7DB53A66272F}"/>
+              </a:ext>
+            </a:extLst>
+          </p:cNvPr>
+          <p:cNvCxnSpPr>
+            <a:cxnSpLocks/>
+          </p:cNvCxnSpPr>
+          <p:nvPr/>
+        </p:nvCxnSpPr>
+        <p:spPr bwMode="auto">
+          <a:xfrm>
+            <a:off x="530561" y="1584875"/>
+            <a:ext cx="10889279" cy="0"/>
+          </a:xfrm>
+          <a:prstGeom prst="line">
+            <a:avLst/>
+          </a:prstGeom>
+          <a:noFill/>
+          <a:ln w="3175" cap="flat" cmpd="sng" algn="ctr">
+            <a:solidFill>
+              <a:srgbClr val="000000">
+                <a:lumMod val="50000"/>
+                <a:lumOff val="50000"/>
+              </a:srgbClr>
+            </a:solidFill>
+            <a:prstDash val="solid"/>
+            <a:round/>
+            <a:headEnd type="none" w="med" len="med"/>
+            <a:tailEnd type="none" w="med" len="med"/>
+          </a:ln>
+          <a:effectLst/>
+        </p:spPr>
+      </p:cxnSp>
+      <p:sp>
+        <p:nvSpPr>
+          <p:cNvPr id="6" name="TextBox 5">
+            <a:extLst>
+              <a:ext uri="{FF2B5EF4-FFF2-40B4-BE49-F238E27FC236}">
+                <a16:creationId xmlns:a16="http://schemas.microsoft.com/office/drawing/2014/main" id="{269E48AA-A982-3145-F6DD-6B3949011B02}"/>
               </a:ext>
             </a:extLst>
           </p:cNvPr>
@@ -6353,8 +8755,8 @@
         </p:nvSpPr>
         <p:spPr>
           <a:xfrm>
-            <a:off x="1420737" y="408197"/>
-            <a:ext cx="1757212" cy="461665"/>
+            <a:off x="561858" y="1629003"/>
+            <a:ext cx="8626386" cy="369332"/>
           </a:xfrm>
           <a:prstGeom prst="rect">
             <a:avLst/>
@@ -6362,257 +8764,39 @@
           <a:noFill/>
         </p:spPr>
         <p:txBody>
-          <a:bodyPr wrap="none" rtlCol="0">
-            <a:spAutoFit/>
-          </a:bodyPr>
-          <a:lstStyle/>
-          <a:p>
-            <a:r>
-              <a:rPr lang="en-US" altLang="ko-KR" sz="2400" b="1" dirty="0">
-                <a:solidFill>
-                  <a:schemeClr val="bg1"/>
-                </a:solidFill>
-                <a:latin typeface="Helvetica" pitchFamily="2" charset="0"/>
-              </a:rPr>
-              <a:t>3. </a:t>
-            </a:r>
-            <a:r>
-              <a:rPr lang="ko-KR" altLang="en-US" sz="2400" b="1" dirty="0">
-                <a:solidFill>
-                  <a:schemeClr val="bg1"/>
-                </a:solidFill>
-                <a:latin typeface="Helvetica" pitchFamily="2" charset="0"/>
-              </a:rPr>
-              <a:t>상세설명</a:t>
-            </a:r>
-            <a:endParaRPr lang="ko-KR" altLang="en-US" sz="2400" b="1" dirty="0">
-              <a:solidFill>
-                <a:schemeClr val="bg1"/>
-              </a:solidFill>
-              <a:effectLst/>
-              <a:latin typeface="Helvetica" pitchFamily="2" charset="0"/>
-            </a:endParaRPr>
-          </a:p>
-        </p:txBody>
-      </p:sp>
-      <p:sp>
-        <p:nvSpPr>
-          <p:cNvPr id="5" name="TextBox 4">
-            <a:extLst>
-              <a:ext uri="{FF2B5EF4-FFF2-40B4-BE49-F238E27FC236}">
-                <a16:creationId xmlns:a16="http://schemas.microsoft.com/office/drawing/2014/main" id="{5052176C-2D5F-C6B6-9626-018843A9B345}"/>
-              </a:ext>
-            </a:extLst>
-          </p:cNvPr>
-          <p:cNvSpPr txBox="1"/>
-          <p:nvPr/>
-        </p:nvSpPr>
-        <p:spPr>
-          <a:xfrm>
-            <a:off x="566912" y="1464879"/>
-            <a:ext cx="9514114" cy="369332"/>
-          </a:xfrm>
-          <a:prstGeom prst="rect">
-            <a:avLst/>
-          </a:prstGeom>
-          <a:noFill/>
-        </p:spPr>
-        <p:txBody>
           <a:bodyPr wrap="square" rtlCol="0">
             <a:spAutoFit/>
           </a:bodyPr>
           <a:lstStyle/>
           <a:p>
             <a:r>
-              <a:rPr lang="ko-KR" altLang="en-US" dirty="0">
-                <a:latin typeface="+mn-ea"/>
-              </a:rPr>
-              <a:t>② 통합 테스트베드 활용 방안 </a:t>
-            </a:r>
-            <a:r>
-              <a:rPr lang="en-US" altLang="ko-KR" dirty="0">
-                <a:latin typeface="+mn-ea"/>
-              </a:rPr>
-              <a:t>(</a:t>
-            </a:r>
-            <a:r>
-              <a:rPr lang="ko-KR" altLang="en-US" dirty="0">
-                <a:latin typeface="+mn-ea"/>
-              </a:rPr>
-              <a:t>기술설명</a:t>
-            </a:r>
-            <a:r>
-              <a:rPr lang="en-US" altLang="ko-KR" dirty="0">
-                <a:latin typeface="+mn-ea"/>
-              </a:rPr>
-              <a:t>)</a:t>
-            </a:r>
-            <a:endParaRPr kumimoji="1" lang="ko-KR" altLang="en-US" dirty="0">
-              <a:latin typeface="+mn-ea"/>
-            </a:endParaRPr>
+              <a:rPr lang="ko-KR" altLang="en-US">
+                <a:latin typeface="프리젠테이션 4 Regular" pitchFamily="2" charset="-127"/>
+                <a:ea typeface="프리젠테이션 4 Regular" pitchFamily="2" charset="-127"/>
+              </a:rPr>
+              <a:t>사고 발생 전 위험을 예측하고</a:t>
+            </a:r>
+            <a:r>
+              <a:rPr lang="en-US" altLang="ko-KR">
+                <a:latin typeface="프리젠테이션 4 Regular" pitchFamily="2" charset="-127"/>
+                <a:ea typeface="프리젠테이션 4 Regular" pitchFamily="2" charset="-127"/>
+              </a:rPr>
+              <a:t>, </a:t>
+            </a:r>
+            <a:r>
+              <a:rPr lang="ko-KR" altLang="en-US">
+                <a:latin typeface="프리젠테이션 4 Regular" pitchFamily="2" charset="-127"/>
+                <a:ea typeface="프리젠테이션 4 Regular" pitchFamily="2" charset="-127"/>
+              </a:rPr>
+              <a:t>공공 데이터 기반 사전 대응 체계를 마련함</a:t>
+            </a:r>
           </a:p>
         </p:txBody>
       </p:sp>
     </p:spTree>
     <p:extLst>
       <p:ext uri="{BB962C8B-B14F-4D97-AF65-F5344CB8AC3E}">
-        <p14:creationId xmlns:p14="http://schemas.microsoft.com/office/powerpoint/2010/main" val="2285591583"/>
-      </p:ext>
-    </p:extLst>
-  </p:cSld>
-  <p:clrMapOvr>
-    <a:masterClrMapping/>
-  </p:clrMapOvr>
-</p:sld>
-</file>
-
-<file path=ppt/slides/slide8.xml><?xml version="1.0" encoding="utf-8"?>
-<p:sld xmlns:a="http://schemas.openxmlformats.org/drawingml/2006/main" xmlns:r="http://schemas.openxmlformats.org/officeDocument/2006/relationships" xmlns:p="http://schemas.openxmlformats.org/presentationml/2006/main">
-  <p:cSld>
-    <p:spTree>
-      <p:nvGrpSpPr>
-        <p:cNvPr id="1" name="">
-          <a:extLst>
-            <a:ext uri="{FF2B5EF4-FFF2-40B4-BE49-F238E27FC236}">
-              <a16:creationId xmlns:a16="http://schemas.microsoft.com/office/drawing/2014/main" id="{E7F350A9-3CFB-5440-2532-11FEBD0E6195}"/>
-            </a:ext>
-          </a:extLst>
-        </p:cNvPr>
-        <p:cNvGrpSpPr/>
-        <p:nvPr/>
-      </p:nvGrpSpPr>
-      <p:grpSpPr>
-        <a:xfrm>
-          <a:off x="0" y="0"/>
-          <a:ext cx="0" cy="0"/>
-          <a:chOff x="0" y="0"/>
-          <a:chExt cx="0" cy="0"/>
-        </a:xfrm>
-      </p:grpSpPr>
-      <p:sp>
-        <p:nvSpPr>
-          <p:cNvPr id="2" name="TextBox 1">
-            <a:extLst>
-              <a:ext uri="{FF2B5EF4-FFF2-40B4-BE49-F238E27FC236}">
-                <a16:creationId xmlns:a16="http://schemas.microsoft.com/office/drawing/2014/main" id="{2EC72E1B-FA9E-38A1-9838-1FB5FB92A943}"/>
-              </a:ext>
-            </a:extLst>
-          </p:cNvPr>
-          <p:cNvSpPr txBox="1"/>
-          <p:nvPr/>
-        </p:nvSpPr>
-        <p:spPr>
-          <a:xfrm>
-            <a:off x="1420737" y="408197"/>
-            <a:ext cx="1757212" cy="461665"/>
-          </a:xfrm>
-          <a:prstGeom prst="rect">
-            <a:avLst/>
-          </a:prstGeom>
-          <a:noFill/>
-        </p:spPr>
-        <p:txBody>
-          <a:bodyPr wrap="none" rtlCol="0">
-            <a:spAutoFit/>
-          </a:bodyPr>
-          <a:lstStyle/>
-          <a:p>
-            <a:r>
-              <a:rPr lang="en-US" altLang="ko-KR" sz="2400" b="1" dirty="0">
-                <a:solidFill>
-                  <a:schemeClr val="bg1"/>
-                </a:solidFill>
-                <a:latin typeface="Helvetica" pitchFamily="2" charset="0"/>
-              </a:rPr>
-              <a:t>3. </a:t>
-            </a:r>
-            <a:r>
-              <a:rPr lang="ko-KR" altLang="en-US" sz="2400" b="1" dirty="0">
-                <a:solidFill>
-                  <a:schemeClr val="bg1"/>
-                </a:solidFill>
-                <a:latin typeface="Helvetica" pitchFamily="2" charset="0"/>
-              </a:rPr>
-              <a:t>상세설명</a:t>
-            </a:r>
-            <a:endParaRPr lang="ko-KR" altLang="en-US" sz="2400" b="1" dirty="0">
-              <a:solidFill>
-                <a:schemeClr val="bg1"/>
-              </a:solidFill>
-              <a:effectLst/>
-              <a:latin typeface="Helvetica" pitchFamily="2" charset="0"/>
-            </a:endParaRPr>
-          </a:p>
-        </p:txBody>
-      </p:sp>
-      <p:sp>
-        <p:nvSpPr>
-          <p:cNvPr id="5" name="TextBox 4">
-            <a:extLst>
-              <a:ext uri="{FF2B5EF4-FFF2-40B4-BE49-F238E27FC236}">
-                <a16:creationId xmlns:a16="http://schemas.microsoft.com/office/drawing/2014/main" id="{937E4D07-2847-03D1-496E-BDFA9D8B38EA}"/>
-              </a:ext>
-            </a:extLst>
-          </p:cNvPr>
-          <p:cNvSpPr txBox="1"/>
-          <p:nvPr/>
-        </p:nvSpPr>
-        <p:spPr>
-          <a:xfrm>
-            <a:off x="566912" y="1464879"/>
-            <a:ext cx="9514114" cy="369332"/>
-          </a:xfrm>
-          <a:prstGeom prst="rect">
-            <a:avLst/>
-          </a:prstGeom>
-          <a:noFill/>
-        </p:spPr>
-        <p:txBody>
-          <a:bodyPr wrap="square" rtlCol="0">
-            <a:spAutoFit/>
-          </a:bodyPr>
-          <a:lstStyle/>
-          <a:p>
-            <a:r>
-              <a:rPr lang="ko-KR" altLang="en-US" dirty="0">
-                <a:latin typeface="+mn-ea"/>
-              </a:rPr>
-              <a:t>③ </a:t>
-            </a:r>
-            <a:r>
-              <a:rPr lang="en-US" altLang="ko-KR" dirty="0">
-                <a:latin typeface="+mn-ea"/>
-              </a:rPr>
-              <a:t>(</a:t>
-            </a:r>
-            <a:r>
-              <a:rPr lang="ko-KR" altLang="en-US" dirty="0">
-                <a:latin typeface="+mn-ea"/>
-              </a:rPr>
-              <a:t>선택사항</a:t>
-            </a:r>
-            <a:r>
-              <a:rPr lang="en-US" altLang="ko-KR" dirty="0">
-                <a:latin typeface="+mn-ea"/>
-              </a:rPr>
-              <a:t>) MVP</a:t>
-            </a:r>
-            <a:r>
-              <a:rPr lang="ko-KR" altLang="en-US" dirty="0">
-                <a:latin typeface="+mn-ea"/>
-              </a:rPr>
-              <a:t>소개</a:t>
-            </a:r>
-            <a:endParaRPr kumimoji="1" lang="ko-KR" altLang="en-US" dirty="0">
-              <a:latin typeface="+mn-ea"/>
-            </a:endParaRPr>
-          </a:p>
-        </p:txBody>
-      </p:sp>
-    </p:spTree>
-    <p:extLst>
-      <p:ext uri="{BB962C8B-B14F-4D97-AF65-F5344CB8AC3E}">
-        <p14:creationId xmlns:p14="http://schemas.microsoft.com/office/powerpoint/2010/main" val="3677103270"/>
+        <p14:creationId xmlns:p14="http://schemas.microsoft.com/office/powerpoint/2010/main" val="3178543812"/>
       </p:ext>
     </p:extLst>
   </p:cSld>
@@ -6630,7 +8814,7 @@
         <p:cNvPr id="1" name="">
           <a:extLst>
             <a:ext uri="{FF2B5EF4-FFF2-40B4-BE49-F238E27FC236}">
-              <a16:creationId xmlns:a16="http://schemas.microsoft.com/office/drawing/2014/main" id="{01C02D87-B00E-C705-7DD7-CF556E8BCE3F}"/>
+              <a16:creationId xmlns:a16="http://schemas.microsoft.com/office/drawing/2014/main" id="{5AC237CA-D4CA-372E-F905-939BB4F8C003}"/>
             </a:ext>
           </a:extLst>
         </p:cNvPr>
@@ -6650,7 +8834,7 @@
           <p:cNvPr id="2" name="TextBox 1">
             <a:extLst>
               <a:ext uri="{FF2B5EF4-FFF2-40B4-BE49-F238E27FC236}">
-                <a16:creationId xmlns:a16="http://schemas.microsoft.com/office/drawing/2014/main" id="{65F663CD-BAFB-A8D6-4BF7-D55673021605}"/>
+                <a16:creationId xmlns:a16="http://schemas.microsoft.com/office/drawing/2014/main" id="{F76CC57B-D554-5AF8-3F47-FC9971371DFC}"/>
               </a:ext>
             </a:extLst>
           </p:cNvPr>
@@ -6660,7 +8844,7 @@
         <p:spPr>
           <a:xfrm>
             <a:off x="1420737" y="408197"/>
-            <a:ext cx="4166525" cy="461665"/>
+            <a:ext cx="1757212" cy="461665"/>
           </a:xfrm>
           <a:prstGeom prst="rect">
             <a:avLst/>
@@ -6680,7 +8864,7 @@
                 </a:solidFill>
                 <a:latin typeface="Helvetica" pitchFamily="2" charset="0"/>
               </a:rPr>
-              <a:t>4. </a:t>
+              <a:t>3. </a:t>
             </a:r>
             <a:r>
               <a:rPr lang="ko-KR" altLang="en-US" sz="2400" b="1" dirty="0">
@@ -6689,7 +8873,7 @@
                 </a:solidFill>
                 <a:latin typeface="Helvetica" pitchFamily="2" charset="0"/>
               </a:rPr>
-              <a:t>아이디어 적용 및 확대방안</a:t>
+              <a:t>상세설명</a:t>
             </a:r>
             <a:endParaRPr lang="ko-KR" altLang="en-US" sz="2400" b="1" dirty="0">
               <a:solidFill>
@@ -6701,10 +8885,225 @@
           </a:p>
         </p:txBody>
       </p:sp>
+      <p:sp>
+        <p:nvSpPr>
+          <p:cNvPr id="5" name="TextBox 4">
+            <a:extLst>
+              <a:ext uri="{FF2B5EF4-FFF2-40B4-BE49-F238E27FC236}">
+                <a16:creationId xmlns:a16="http://schemas.microsoft.com/office/drawing/2014/main" id="{8E0FDB5C-EEF0-E1F1-3DF2-BA423A444072}"/>
+              </a:ext>
+            </a:extLst>
+          </p:cNvPr>
+          <p:cNvSpPr txBox="1"/>
+          <p:nvPr/>
+        </p:nvSpPr>
+        <p:spPr>
+          <a:xfrm>
+            <a:off x="4337296" y="452052"/>
+            <a:ext cx="3517408" cy="646331"/>
+          </a:xfrm>
+          <a:prstGeom prst="rect">
+            <a:avLst/>
+          </a:prstGeom>
+          <a:noFill/>
+        </p:spPr>
+        <p:txBody>
+          <a:bodyPr wrap="square" rtlCol="0">
+            <a:spAutoFit/>
+          </a:bodyPr>
+          <a:lstStyle/>
+          <a:p>
+            <a:r>
+              <a:rPr lang="ko-KR" altLang="en-US" dirty="0">
+                <a:solidFill>
+                  <a:schemeClr val="bg1"/>
+                </a:solidFill>
+                <a:latin typeface="+mn-ea"/>
+              </a:rPr>
+              <a:t>① 아이디어</a:t>
+            </a:r>
+            <a:r>
+              <a:rPr lang="en-US" altLang="ko-KR" dirty="0">
+                <a:solidFill>
+                  <a:schemeClr val="bg1"/>
+                </a:solidFill>
+                <a:latin typeface="+mn-ea"/>
+              </a:rPr>
+              <a:t>/</a:t>
+            </a:r>
+            <a:r>
+              <a:rPr lang="ko-KR" altLang="en-US" dirty="0">
+                <a:solidFill>
+                  <a:schemeClr val="bg1"/>
+                </a:solidFill>
+                <a:latin typeface="+mn-ea"/>
+              </a:rPr>
+              <a:t>서비스 핵심 내용 </a:t>
+            </a:r>
+          </a:p>
+          <a:p>
+            <a:endParaRPr kumimoji="1" lang="ko-KR" altLang="en-US" dirty="0">
+              <a:solidFill>
+                <a:schemeClr val="bg1"/>
+              </a:solidFill>
+              <a:latin typeface="+mn-ea"/>
+            </a:endParaRPr>
+          </a:p>
+        </p:txBody>
+      </p:sp>
+      <p:sp>
+        <p:nvSpPr>
+          <p:cNvPr id="3" name="제목 2">
+            <a:extLst>
+              <a:ext uri="{FF2B5EF4-FFF2-40B4-BE49-F238E27FC236}">
+                <a16:creationId xmlns:a16="http://schemas.microsoft.com/office/drawing/2014/main" id="{CE3FA189-0B5F-0048-1FCF-03DD5E0EEBF7}"/>
+              </a:ext>
+            </a:extLst>
+          </p:cNvPr>
+          <p:cNvSpPr txBox="1">
+            <a:spLocks/>
+          </p:cNvSpPr>
+          <p:nvPr/>
+        </p:nvSpPr>
+        <p:spPr>
+          <a:xfrm>
+            <a:off x="601379" y="1179770"/>
+            <a:ext cx="7414862" cy="424724"/>
+          </a:xfrm>
+          <a:prstGeom prst="rect">
+            <a:avLst/>
+          </a:prstGeom>
+        </p:spPr>
+        <p:txBody>
+          <a:bodyPr/>
+          <a:lstStyle>
+            <a:lvl1pPr algn="l" defTabSz="914400" rtl="0" eaLnBrk="1" latinLnBrk="1" hangingPunct="1">
+              <a:lnSpc>
+                <a:spcPct val="90000"/>
+              </a:lnSpc>
+              <a:spcBef>
+                <a:spcPct val="0"/>
+              </a:spcBef>
+              <a:buNone/>
+              <a:defRPr sz="4400" kern="1200">
+                <a:solidFill>
+                  <a:schemeClr val="tx1"/>
+                </a:solidFill>
+                <a:latin typeface="+mj-lt"/>
+                <a:ea typeface="+mj-ea"/>
+                <a:cs typeface="+mj-cs"/>
+              </a:defRPr>
+            </a:lvl1pPr>
+          </a:lstStyle>
+          <a:p>
+            <a:r>
+              <a:rPr lang="ko-KR" altLang="en-US" sz="2000">
+                <a:latin typeface="페이퍼로지 6 SemiBold" pitchFamily="2" charset="-127"/>
+                <a:ea typeface="페이퍼로지 6 SemiBold" pitchFamily="2" charset="-127"/>
+              </a:rPr>
+              <a:t>해양사고 예측 변수와 모델 설명</a:t>
+            </a:r>
+            <a:endParaRPr lang="ko-KR" altLang="en-US" sz="2000" dirty="0">
+              <a:latin typeface="페이퍼로지 6 SemiBold" pitchFamily="2" charset="-127"/>
+              <a:ea typeface="페이퍼로지 6 SemiBold" pitchFamily="2" charset="-127"/>
+            </a:endParaRPr>
+          </a:p>
+        </p:txBody>
+      </p:sp>
+      <p:cxnSp>
+        <p:nvCxnSpPr>
+          <p:cNvPr id="4" name="직선 연결선 3">
+            <a:extLst>
+              <a:ext uri="{FF2B5EF4-FFF2-40B4-BE49-F238E27FC236}">
+                <a16:creationId xmlns:a16="http://schemas.microsoft.com/office/drawing/2014/main" id="{69C24A25-880E-BC7E-6BE6-83F5857ECDAF}"/>
+              </a:ext>
+            </a:extLst>
+          </p:cNvPr>
+          <p:cNvCxnSpPr>
+            <a:cxnSpLocks/>
+          </p:cNvCxnSpPr>
+          <p:nvPr/>
+        </p:nvCxnSpPr>
+        <p:spPr bwMode="auto">
+          <a:xfrm>
+            <a:off x="530561" y="1584875"/>
+            <a:ext cx="10889279" cy="0"/>
+          </a:xfrm>
+          <a:prstGeom prst="line">
+            <a:avLst/>
+          </a:prstGeom>
+          <a:noFill/>
+          <a:ln w="3175" cap="flat" cmpd="sng" algn="ctr">
+            <a:solidFill>
+              <a:srgbClr val="000000">
+                <a:lumMod val="50000"/>
+                <a:lumOff val="50000"/>
+              </a:srgbClr>
+            </a:solidFill>
+            <a:prstDash val="solid"/>
+            <a:round/>
+            <a:headEnd type="none" w="med" len="med"/>
+            <a:tailEnd type="none" w="med" len="med"/>
+          </a:ln>
+          <a:effectLst/>
+        </p:spPr>
+      </p:cxnSp>
+      <p:sp>
+        <p:nvSpPr>
+          <p:cNvPr id="6" name="TextBox 5">
+            <a:extLst>
+              <a:ext uri="{FF2B5EF4-FFF2-40B4-BE49-F238E27FC236}">
+                <a16:creationId xmlns:a16="http://schemas.microsoft.com/office/drawing/2014/main" id="{AA54BA73-D732-26AC-2CF7-488980D9B991}"/>
+              </a:ext>
+            </a:extLst>
+          </p:cNvPr>
+          <p:cNvSpPr txBox="1"/>
+          <p:nvPr/>
+        </p:nvSpPr>
+        <p:spPr>
+          <a:xfrm>
+            <a:off x="561858" y="1629003"/>
+            <a:ext cx="8626386" cy="369332"/>
+          </a:xfrm>
+          <a:prstGeom prst="rect">
+            <a:avLst/>
+          </a:prstGeom>
+          <a:noFill/>
+        </p:spPr>
+        <p:txBody>
+          <a:bodyPr wrap="square" rtlCol="0">
+            <a:spAutoFit/>
+          </a:bodyPr>
+          <a:lstStyle/>
+          <a:p>
+            <a:r>
+              <a:rPr lang="ko-KR" altLang="en-US">
+                <a:latin typeface="프리젠테이션 4 Regular" pitchFamily="2" charset="-127"/>
+                <a:ea typeface="프리젠테이션 4 Regular" pitchFamily="2" charset="-127"/>
+              </a:rPr>
+              <a:t>다양한 환경</a:t>
+            </a:r>
+            <a:r>
+              <a:rPr lang="en-US" altLang="ko-KR">
+                <a:latin typeface="프리젠테이션 4 Regular" pitchFamily="2" charset="-127"/>
+                <a:ea typeface="프리젠테이션 4 Regular" pitchFamily="2" charset="-127"/>
+              </a:rPr>
+              <a:t>, </a:t>
+            </a:r>
+            <a:r>
+              <a:rPr lang="ko-KR" altLang="en-US">
+                <a:latin typeface="프리젠테이션 4 Regular" pitchFamily="2" charset="-127"/>
+                <a:ea typeface="프리젠테이션 4 Regular" pitchFamily="2" charset="-127"/>
+              </a:rPr>
+              <a:t>운항 데이터를 활용해 사고 위험을 정밀 예측함</a:t>
+            </a:r>
+          </a:p>
+        </p:txBody>
+      </p:sp>
     </p:spTree>
     <p:extLst>
       <p:ext uri="{BB962C8B-B14F-4D97-AF65-F5344CB8AC3E}">
-        <p14:creationId xmlns:p14="http://schemas.microsoft.com/office/powerpoint/2010/main" val="2625974391"/>
+        <p14:creationId xmlns:p14="http://schemas.microsoft.com/office/powerpoint/2010/main" val="3866567842"/>
       </p:ext>
     </p:extLst>
   </p:cSld>
